--- a/CaseStudies29Feb2024.pptx
+++ b/CaseStudies29Feb2024.pptx
@@ -250,7 +250,7 @@
             <a:fld id="{40EF3D95-CC7B-46DC-A78E-67F4D075B2A3}" type="datetimeFigureOut">
               <a:rPr lang="en-US" smtClean="0"/>
               <a:pPr/>
-              <a:t>2/29/2024</a:t>
+              <a:t>3/11/2024</a:t>
             </a:fld>
             <a:endParaRPr lang="en-US"/>
           </a:p>
@@ -417,7 +417,7 @@
             <a:fld id="{90937C88-D269-4F0C-8A60-C61804010FE8}" type="datetimeFigureOut">
               <a:rPr lang="en-US" smtClean="0"/>
               <a:pPr/>
-              <a:t>2/29/2024</a:t>
+              <a:t>3/11/2024</a:t>
             </a:fld>
             <a:endParaRPr lang="en-US"/>
           </a:p>
@@ -2762,7 +2762,7 @@
             <a:fld id="{5EF89885-BDA6-4E71-B5FE-67249B14CE6E}" type="datetimeFigureOut">
               <a:rPr lang="en-US" smtClean="0"/>
               <a:pPr/>
-              <a:t>2/29/2024</a:t>
+              <a:t>3/11/2024</a:t>
             </a:fld>
             <a:endParaRPr lang="en-US"/>
           </a:p>
@@ -3010,47 +3010,6 @@
           </p:txBody>
         </p:sp>
       </p:grpSp>
-      <p:pic>
-        <p:nvPicPr>
-          <p:cNvPr id="17" name="Picture 2" descr="Teloxis"/>
-          <p:cNvPicPr>
-            <a:picLocks noChangeAspect="1" noChangeArrowheads="1"/>
-          </p:cNvPicPr>
-          <p:nvPr userDrawn="1"/>
-        </p:nvPicPr>
-        <p:blipFill>
-          <a:blip r:embed="rId2">
-            <a:extLst>
-              <a:ext uri="{28A0092B-C50C-407E-A947-70E740481C1C}">
-                <a14:useLocalDpi xmlns:a14="http://schemas.microsoft.com/office/drawing/2010/main" val="0"/>
-              </a:ext>
-            </a:extLst>
-          </a:blip>
-          <a:srcRect/>
-          <a:stretch>
-            <a:fillRect/>
-          </a:stretch>
-        </p:blipFill>
-        <p:spPr bwMode="auto">
-          <a:xfrm>
-            <a:off x="0" y="959392"/>
-            <a:ext cx="1581150" cy="542926"/>
-          </a:xfrm>
-          <a:prstGeom prst="rect">
-            <a:avLst/>
-          </a:prstGeom>
-          <a:noFill/>
-          <a:extLst>
-            <a:ext uri="{909E8E84-426E-40DD-AFC4-6F175D3DCCD1}">
-              <a14:hiddenFill xmlns:a14="http://schemas.microsoft.com/office/drawing/2010/main">
-                <a:solidFill>
-                  <a:srgbClr val="FFFFFF"/>
-                </a:solidFill>
-              </a14:hiddenFill>
-            </a:ext>
-          </a:extLst>
-        </p:spPr>
-      </p:pic>
     </p:spTree>
     <p:extLst>
       <p:ext uri="{BB962C8B-B14F-4D97-AF65-F5344CB8AC3E}">
@@ -3172,7 +3131,7 @@
             <a:fld id="{5EF89885-BDA6-4E71-B5FE-67249B14CE6E}" type="datetimeFigureOut">
               <a:rPr lang="en-US" smtClean="0"/>
               <a:pPr/>
-              <a:t>2/29/2024</a:t>
+              <a:t>3/11/2024</a:t>
             </a:fld>
             <a:endParaRPr lang="en-US"/>
           </a:p>
@@ -3352,7 +3311,7 @@
             <a:fld id="{5EF89885-BDA6-4E71-B5FE-67249B14CE6E}" type="datetimeFigureOut">
               <a:rPr lang="en-US" smtClean="0"/>
               <a:pPr/>
-              <a:t>2/29/2024</a:t>
+              <a:t>3/11/2024</a:t>
             </a:fld>
             <a:endParaRPr lang="en-US"/>
           </a:p>
@@ -4847,7 +4806,7 @@
             <a:fld id="{5EF89885-BDA6-4E71-B5FE-67249B14CE6E}" type="datetimeFigureOut">
               <a:rPr lang="en-US" smtClean="0"/>
               <a:pPr/>
-              <a:t>2/29/2024</a:t>
+              <a:t>3/11/2024</a:t>
             </a:fld>
             <a:endParaRPr lang="en-US"/>
           </a:p>
@@ -5096,7 +5055,7 @@
             <a:fld id="{5EF89885-BDA6-4E71-B5FE-67249B14CE6E}" type="datetimeFigureOut">
               <a:rPr lang="en-US" smtClean="0"/>
               <a:pPr/>
-              <a:t>2/29/2024</a:t>
+              <a:t>3/11/2024</a:t>
             </a:fld>
             <a:endParaRPr lang="en-US"/>
           </a:p>
@@ -5327,7 +5286,7 @@
             <a:fld id="{5EF89885-BDA6-4E71-B5FE-67249B14CE6E}" type="datetimeFigureOut">
               <a:rPr lang="en-US" smtClean="0"/>
               <a:pPr/>
-              <a:t>2/29/2024</a:t>
+              <a:t>3/11/2024</a:t>
             </a:fld>
             <a:endParaRPr lang="en-US"/>
           </a:p>
@@ -5693,7 +5652,7 @@
             <a:fld id="{5EF89885-BDA6-4E71-B5FE-67249B14CE6E}" type="datetimeFigureOut">
               <a:rPr lang="en-US" smtClean="0"/>
               <a:pPr/>
-              <a:t>2/29/2024</a:t>
+              <a:t>3/11/2024</a:t>
             </a:fld>
             <a:endParaRPr lang="en-US"/>
           </a:p>
@@ -5812,7 +5771,7 @@
             <a:fld id="{5EF89885-BDA6-4E71-B5FE-67249B14CE6E}" type="datetimeFigureOut">
               <a:rPr lang="en-US" smtClean="0"/>
               <a:pPr/>
-              <a:t>2/29/2024</a:t>
+              <a:t>3/11/2024</a:t>
             </a:fld>
             <a:endParaRPr lang="en-US"/>
           </a:p>
@@ -5909,7 +5868,7 @@
             <a:fld id="{5EF89885-BDA6-4E71-B5FE-67249B14CE6E}" type="datetimeFigureOut">
               <a:rPr lang="en-US" smtClean="0"/>
               <a:pPr/>
-              <a:t>2/29/2024</a:t>
+              <a:t>3/11/2024</a:t>
             </a:fld>
             <a:endParaRPr lang="en-US"/>
           </a:p>
@@ -6186,7 +6145,7 @@
             <a:fld id="{5EF89885-BDA6-4E71-B5FE-67249B14CE6E}" type="datetimeFigureOut">
               <a:rPr lang="en-US" smtClean="0"/>
               <a:pPr/>
-              <a:t>2/29/2024</a:t>
+              <a:t>3/11/2024</a:t>
             </a:fld>
             <a:endParaRPr lang="en-US"/>
           </a:p>
@@ -6440,7 +6399,7 @@
             <a:fld id="{5EF89885-BDA6-4E71-B5FE-67249B14CE6E}" type="datetimeFigureOut">
               <a:rPr lang="en-US" smtClean="0"/>
               <a:pPr/>
-              <a:t>2/29/2024</a:t>
+              <a:t>3/11/2024</a:t>
             </a:fld>
             <a:endParaRPr lang="en-US"/>
           </a:p>
@@ -6853,7 +6812,7 @@
             <a:fld id="{5EF89885-BDA6-4E71-B5FE-67249B14CE6E}" type="datetimeFigureOut">
               <a:rPr lang="en-US" smtClean="0"/>
               <a:pPr/>
-              <a:t>2/29/2024</a:t>
+              <a:t>3/11/2024</a:t>
             </a:fld>
             <a:endParaRPr lang="en-US"/>
           </a:p>
@@ -6943,47 +6902,6 @@
           </a:p>
         </p:txBody>
       </p:sp>
-      <p:pic>
-        <p:nvPicPr>
-          <p:cNvPr id="14" name="Picture 2" descr="Teloxis"/>
-          <p:cNvPicPr>
-            <a:picLocks noChangeAspect="1" noChangeArrowheads="1"/>
-          </p:cNvPicPr>
-          <p:nvPr userDrawn="1"/>
-        </p:nvPicPr>
-        <p:blipFill>
-          <a:blip r:embed="rId14">
-            <a:extLst>
-              <a:ext uri="{28A0092B-C50C-407E-A947-70E740481C1C}">
-                <a14:useLocalDpi xmlns:a14="http://schemas.microsoft.com/office/drawing/2010/main" val="0"/>
-              </a:ext>
-            </a:extLst>
-          </a:blip>
-          <a:srcRect/>
-          <a:stretch>
-            <a:fillRect/>
-          </a:stretch>
-        </p:blipFill>
-        <p:spPr bwMode="auto">
-          <a:xfrm>
-            <a:off x="9772650" y="6274796"/>
-            <a:ext cx="1581150" cy="542926"/>
-          </a:xfrm>
-          <a:prstGeom prst="rect">
-            <a:avLst/>
-          </a:prstGeom>
-          <a:noFill/>
-          <a:extLst>
-            <a:ext uri="{909E8E84-426E-40DD-AFC4-6F175D3DCCD1}">
-              <a14:hiddenFill xmlns:a14="http://schemas.microsoft.com/office/drawing/2010/main">
-                <a:solidFill>
-                  <a:srgbClr val="FFFFFF"/>
-                </a:solidFill>
-              </a14:hiddenFill>
-            </a:ext>
-          </a:extLst>
-        </p:spPr>
-      </p:pic>
     </p:spTree>
     <p:extLst>
       <p:ext uri="{BB962C8B-B14F-4D97-AF65-F5344CB8AC3E}">
@@ -9743,10 +9661,10 @@
         </p:nvGrpSpPr>
         <p:grpSpPr>
           <a:xfrm>
-            <a:off x="1" y="1347742"/>
-            <a:ext cx="3691498" cy="5787629"/>
-            <a:chOff x="156412" y="778669"/>
-            <a:chExt cx="2714908" cy="4340722"/>
+            <a:off x="98153" y="1347742"/>
+            <a:ext cx="3593346" cy="5787629"/>
+            <a:chOff x="228598" y="778669"/>
+            <a:chExt cx="2642722" cy="4340722"/>
           </a:xfrm>
         </p:grpSpPr>
         <p:sp>
@@ -9955,42 +9873,6 @@
             </p:txBody>
           </p:sp>
         </p:grpSp>
-        <p:pic>
-          <p:nvPicPr>
-            <p:cNvPr id="12" name="Picture 11">
-              <a:extLst>
-                <a:ext uri="{FF2B5EF4-FFF2-40B4-BE49-F238E27FC236}">
-                  <a16:creationId xmlns:a16="http://schemas.microsoft.com/office/drawing/2014/main" id="{1256AC04-7391-A9DB-D7A7-71CB50104BAE}"/>
-                </a:ext>
-              </a:extLst>
-            </p:cNvPr>
-            <p:cNvPicPr>
-              <a:picLocks/>
-            </p:cNvPicPr>
-            <p:nvPr/>
-          </p:nvPicPr>
-          <p:blipFill>
-            <a:blip r:embed="rId3" cstate="print">
-              <a:extLst>
-                <a:ext uri="{28A0092B-C50C-407E-A947-70E740481C1C}">
-                  <a14:useLocalDpi xmlns:a14="http://schemas.microsoft.com/office/drawing/2010/main"/>
-                </a:ext>
-              </a:extLst>
-            </a:blip>
-            <a:stretch>
-              <a:fillRect/>
-            </a:stretch>
-          </p:blipFill>
-          <p:spPr>
-            <a:xfrm>
-              <a:off x="156412" y="876487"/>
-              <a:ext cx="492021" cy="493200"/>
-            </a:xfrm>
-            <a:prstGeom prst="rect">
-              <a:avLst/>
-            </a:prstGeom>
-          </p:spPr>
-        </p:pic>
       </p:grpSp>
       <p:grpSp>
         <p:nvGrpSpPr>
@@ -10219,42 +10101,6 @@
           </p:sp>
         </p:grpSp>
       </p:grpSp>
-      <p:pic>
-        <p:nvPicPr>
-          <p:cNvPr id="25" name="Picture 24">
-            <a:extLst>
-              <a:ext uri="{FF2B5EF4-FFF2-40B4-BE49-F238E27FC236}">
-                <a16:creationId xmlns:a16="http://schemas.microsoft.com/office/drawing/2014/main" id="{4827290C-D2F2-7B1C-222A-B7154F1746C3}"/>
-              </a:ext>
-            </a:extLst>
-          </p:cNvPr>
-          <p:cNvPicPr>
-            <a:picLocks/>
-          </p:cNvPicPr>
-          <p:nvPr/>
-        </p:nvPicPr>
-        <p:blipFill>
-          <a:blip r:embed="rId4" cstate="print">
-            <a:extLst>
-              <a:ext uri="{28A0092B-C50C-407E-A947-70E740481C1C}">
-                <a14:useLocalDpi xmlns:a14="http://schemas.microsoft.com/office/drawing/2010/main"/>
-              </a:ext>
-            </a:extLst>
-          </a:blip>
-          <a:stretch>
-            <a:fillRect/>
-          </a:stretch>
-        </p:blipFill>
-        <p:spPr>
-          <a:xfrm>
-            <a:off x="3447531" y="1503835"/>
-            <a:ext cx="657600" cy="657600"/>
-          </a:xfrm>
-          <a:prstGeom prst="rect">
-            <a:avLst/>
-          </a:prstGeom>
-        </p:spPr>
-      </p:pic>
       <p:grpSp>
         <p:nvGrpSpPr>
           <p:cNvPr id="26" name="Group 25">
@@ -10482,42 +10328,6 @@
           </p:sp>
         </p:grpSp>
       </p:grpSp>
-      <p:pic>
-        <p:nvPicPr>
-          <p:cNvPr id="73" name="Picture 72">
-            <a:extLst>
-              <a:ext uri="{FF2B5EF4-FFF2-40B4-BE49-F238E27FC236}">
-                <a16:creationId xmlns:a16="http://schemas.microsoft.com/office/drawing/2014/main" id="{55E81D75-5AB3-330F-6EA7-4A2549C209B2}"/>
-              </a:ext>
-            </a:extLst>
-          </p:cNvPr>
-          <p:cNvPicPr>
-            <a:picLocks/>
-          </p:cNvPicPr>
-          <p:nvPr/>
-        </p:nvPicPr>
-        <p:blipFill>
-          <a:blip r:embed="rId5" cstate="print">
-            <a:extLst>
-              <a:ext uri="{28A0092B-C50C-407E-A947-70E740481C1C}">
-                <a14:useLocalDpi xmlns:a14="http://schemas.microsoft.com/office/drawing/2010/main"/>
-              </a:ext>
-            </a:extLst>
-          </a:blip>
-          <a:stretch>
-            <a:fillRect/>
-          </a:stretch>
-        </p:blipFill>
-        <p:spPr>
-          <a:xfrm>
-            <a:off x="6395995" y="1503835"/>
-            <a:ext cx="657600" cy="657600"/>
-          </a:xfrm>
-          <a:prstGeom prst="rect">
-            <a:avLst/>
-          </a:prstGeom>
-        </p:spPr>
-      </p:pic>
       <p:grpSp>
         <p:nvGrpSpPr>
           <p:cNvPr id="74" name="Group 73">
@@ -10768,10 +10578,10 @@
       </p:grpSp>
       <p:pic>
         <p:nvPicPr>
-          <p:cNvPr id="125" name="Picture 124">
+          <p:cNvPr id="2" name="Picture 1">
             <a:extLst>
               <a:ext uri="{FF2B5EF4-FFF2-40B4-BE49-F238E27FC236}">
-                <a16:creationId xmlns:a16="http://schemas.microsoft.com/office/drawing/2014/main" id="{04F01202-A4F6-A435-43B7-3FFCC1DBE7B8}"/>
+                <a16:creationId xmlns:a16="http://schemas.microsoft.com/office/drawing/2014/main" id="{E801C1DE-272C-81DD-F7F9-6C541EFC8024}"/>
               </a:ext>
             </a:extLst>
           </p:cNvPr>
@@ -10781,10 +10591,10 @@
           <p:nvPr/>
         </p:nvPicPr>
         <p:blipFill>
-          <a:blip r:embed="rId6" cstate="print">
+          <a:blip r:embed="rId3">
             <a:extLst>
               <a:ext uri="{28A0092B-C50C-407E-A947-70E740481C1C}">
-                <a14:useLocalDpi xmlns:a14="http://schemas.microsoft.com/office/drawing/2010/main"/>
+                <a14:useLocalDpi xmlns:a14="http://schemas.microsoft.com/office/drawing/2010/main" val="0"/>
               </a:ext>
             </a:extLst>
           </a:blip>
@@ -10794,8 +10604,116 @@
         </p:blipFill>
         <p:spPr>
           <a:xfrm>
-            <a:off x="9353473" y="1512035"/>
-            <a:ext cx="657600" cy="657600"/>
+            <a:off x="108485" y="1362853"/>
+            <a:ext cx="576000" cy="720000"/>
+          </a:xfrm>
+          <a:prstGeom prst="rect">
+            <a:avLst/>
+          </a:prstGeom>
+        </p:spPr>
+      </p:pic>
+      <p:pic>
+        <p:nvPicPr>
+          <p:cNvPr id="4" name="Picture 3">
+            <a:extLst>
+              <a:ext uri="{FF2B5EF4-FFF2-40B4-BE49-F238E27FC236}">
+                <a16:creationId xmlns:a16="http://schemas.microsoft.com/office/drawing/2014/main" id="{0694A66D-7B9F-BB27-34CB-B9A46F6F5390}"/>
+              </a:ext>
+            </a:extLst>
+          </p:cNvPr>
+          <p:cNvPicPr>
+            <a:picLocks/>
+          </p:cNvPicPr>
+          <p:nvPr/>
+        </p:nvPicPr>
+        <p:blipFill>
+          <a:blip r:embed="rId4" cstate="print">
+            <a:extLst>
+              <a:ext uri="{28A0092B-C50C-407E-A947-70E740481C1C}">
+                <a14:useLocalDpi xmlns:a14="http://schemas.microsoft.com/office/drawing/2010/main" val="0"/>
+              </a:ext>
+            </a:extLst>
+          </a:blip>
+          <a:stretch>
+            <a:fillRect/>
+          </a:stretch>
+        </p:blipFill>
+        <p:spPr>
+          <a:xfrm>
+            <a:off x="3403499" y="1362853"/>
+            <a:ext cx="576000" cy="720000"/>
+          </a:xfrm>
+          <a:prstGeom prst="rect">
+            <a:avLst/>
+          </a:prstGeom>
+        </p:spPr>
+      </p:pic>
+      <p:pic>
+        <p:nvPicPr>
+          <p:cNvPr id="5" name="Picture 4">
+            <a:extLst>
+              <a:ext uri="{FF2B5EF4-FFF2-40B4-BE49-F238E27FC236}">
+                <a16:creationId xmlns:a16="http://schemas.microsoft.com/office/drawing/2014/main" id="{2F9A4869-54EF-38E0-F1B3-E581C3AC7525}"/>
+              </a:ext>
+            </a:extLst>
+          </p:cNvPr>
+          <p:cNvPicPr>
+            <a:picLocks/>
+          </p:cNvPicPr>
+          <p:nvPr/>
+        </p:nvPicPr>
+        <p:blipFill>
+          <a:blip r:embed="rId5" cstate="print">
+            <a:extLst>
+              <a:ext uri="{28A0092B-C50C-407E-A947-70E740481C1C}">
+                <a14:useLocalDpi xmlns:a14="http://schemas.microsoft.com/office/drawing/2010/main" val="0"/>
+              </a:ext>
+            </a:extLst>
+          </a:blip>
+          <a:stretch>
+            <a:fillRect/>
+          </a:stretch>
+        </p:blipFill>
+        <p:spPr>
+          <a:xfrm>
+            <a:off x="9233411" y="1362176"/>
+            <a:ext cx="576000" cy="720000"/>
+          </a:xfrm>
+          <a:prstGeom prst="rect">
+            <a:avLst/>
+          </a:prstGeom>
+        </p:spPr>
+      </p:pic>
+      <p:pic>
+        <p:nvPicPr>
+          <p:cNvPr id="8" name="Picture 7">
+            <a:extLst>
+              <a:ext uri="{FF2B5EF4-FFF2-40B4-BE49-F238E27FC236}">
+                <a16:creationId xmlns:a16="http://schemas.microsoft.com/office/drawing/2014/main" id="{C724A728-363F-EB8C-AED9-1D0F924B6737}"/>
+              </a:ext>
+            </a:extLst>
+          </p:cNvPr>
+          <p:cNvPicPr>
+            <a:picLocks/>
+          </p:cNvPicPr>
+          <p:nvPr/>
+        </p:nvPicPr>
+        <p:blipFill>
+          <a:blip r:embed="rId6">
+            <a:extLst>
+              <a:ext uri="{28A0092B-C50C-407E-A947-70E740481C1C}">
+                <a14:useLocalDpi xmlns:a14="http://schemas.microsoft.com/office/drawing/2010/main" val="0"/>
+              </a:ext>
+            </a:extLst>
+          </a:blip>
+          <a:stretch>
+            <a:fillRect/>
+          </a:stretch>
+        </p:blipFill>
+        <p:spPr>
+          <a:xfrm>
+            <a:off x="6289081" y="1361314"/>
+            <a:ext cx="576000" cy="720000"/>
           </a:xfrm>
           <a:prstGeom prst="rect">
             <a:avLst/>
@@ -11441,9 +11359,9 @@
         <p:grpSpPr>
           <a:xfrm>
             <a:off x="0" y="1347742"/>
-            <a:ext cx="3501572" cy="6074949"/>
+            <a:ext cx="3412454" cy="6074950"/>
             <a:chOff x="228598" y="778669"/>
-            <a:chExt cx="2456022" cy="4556212"/>
+            <a:chExt cx="2393514" cy="4556213"/>
           </a:xfrm>
         </p:grpSpPr>
         <p:sp>
@@ -11520,10 +11438,10 @@
           </p:nvGrpSpPr>
           <p:grpSpPr>
             <a:xfrm>
-              <a:off x="289237" y="1013209"/>
-              <a:ext cx="2395383" cy="4321672"/>
-              <a:chOff x="1913269" y="2174361"/>
-              <a:chExt cx="2263955" cy="2275365"/>
+              <a:off x="289237" y="969052"/>
+              <a:ext cx="2332875" cy="4365830"/>
+              <a:chOff x="1913269" y="2151112"/>
+              <a:chExt cx="2204877" cy="2298614"/>
             </a:xfrm>
           </p:grpSpPr>
           <p:sp>
@@ -11540,7 +11458,7 @@
             </p:nvSpPr>
             <p:spPr>
               <a:xfrm>
-                <a:off x="2396649" y="2174361"/>
+                <a:off x="2337571" y="2151112"/>
                 <a:ext cx="1780575" cy="125610"/>
               </a:xfrm>
               <a:prstGeom prst="rect">
@@ -11629,42 +11547,6 @@
             </p:txBody>
           </p:sp>
         </p:grpSp>
-        <p:pic>
-          <p:nvPicPr>
-            <p:cNvPr id="12" name="Picture 11">
-              <a:extLst>
-                <a:ext uri="{FF2B5EF4-FFF2-40B4-BE49-F238E27FC236}">
-                  <a16:creationId xmlns:a16="http://schemas.microsoft.com/office/drawing/2014/main" id="{28036F0F-46F4-62B0-CBC2-198475F00D67}"/>
-                </a:ext>
-              </a:extLst>
-            </p:cNvPr>
-            <p:cNvPicPr>
-              <a:picLocks/>
-            </p:cNvPicPr>
-            <p:nvPr/>
-          </p:nvPicPr>
-          <p:blipFill>
-            <a:blip r:embed="rId3" cstate="print">
-              <a:extLst>
-                <a:ext uri="{28A0092B-C50C-407E-A947-70E740481C1C}">
-                  <a14:useLocalDpi xmlns:a14="http://schemas.microsoft.com/office/drawing/2010/main"/>
-                </a:ext>
-              </a:extLst>
-            </a:blip>
-            <a:stretch>
-              <a:fillRect/>
-            </a:stretch>
-          </p:blipFill>
-          <p:spPr>
-            <a:xfrm>
-              <a:off x="289236" y="895739"/>
-              <a:ext cx="492021" cy="493200"/>
-            </a:xfrm>
-            <a:prstGeom prst="rect">
-              <a:avLst/>
-            </a:prstGeom>
-          </p:spPr>
-        </p:pic>
       </p:grpSp>
       <p:grpSp>
         <p:nvGrpSpPr>
@@ -11893,42 +11775,6 @@
           </p:sp>
         </p:grpSp>
       </p:grpSp>
-      <p:pic>
-        <p:nvPicPr>
-          <p:cNvPr id="25" name="Picture 24">
-            <a:extLst>
-              <a:ext uri="{FF2B5EF4-FFF2-40B4-BE49-F238E27FC236}">
-                <a16:creationId xmlns:a16="http://schemas.microsoft.com/office/drawing/2014/main" id="{0E02135E-DAB6-5734-6C02-76C8DA7C9A75}"/>
-              </a:ext>
-            </a:extLst>
-          </p:cNvPr>
-          <p:cNvPicPr>
-            <a:picLocks/>
-          </p:cNvPicPr>
-          <p:nvPr/>
-        </p:nvPicPr>
-        <p:blipFill>
-          <a:blip r:embed="rId4" cstate="print">
-            <a:extLst>
-              <a:ext uri="{28A0092B-C50C-407E-A947-70E740481C1C}">
-                <a14:useLocalDpi xmlns:a14="http://schemas.microsoft.com/office/drawing/2010/main"/>
-              </a:ext>
-            </a:extLst>
-          </a:blip>
-          <a:stretch>
-            <a:fillRect/>
-          </a:stretch>
-        </p:blipFill>
-        <p:spPr>
-          <a:xfrm>
-            <a:off x="3447531" y="1503835"/>
-            <a:ext cx="657600" cy="657600"/>
-          </a:xfrm>
-          <a:prstGeom prst="rect">
-            <a:avLst/>
-          </a:prstGeom>
-        </p:spPr>
-      </p:pic>
       <p:grpSp>
         <p:nvGrpSpPr>
           <p:cNvPr id="26" name="Group 25">
@@ -12156,42 +12002,6 @@
           </p:sp>
         </p:grpSp>
       </p:grpSp>
-      <p:pic>
-        <p:nvPicPr>
-          <p:cNvPr id="73" name="Picture 72">
-            <a:extLst>
-              <a:ext uri="{FF2B5EF4-FFF2-40B4-BE49-F238E27FC236}">
-                <a16:creationId xmlns:a16="http://schemas.microsoft.com/office/drawing/2014/main" id="{E234F90A-987E-5674-DC8F-B0FAC3F95273}"/>
-              </a:ext>
-            </a:extLst>
-          </p:cNvPr>
-          <p:cNvPicPr>
-            <a:picLocks/>
-          </p:cNvPicPr>
-          <p:nvPr/>
-        </p:nvPicPr>
-        <p:blipFill>
-          <a:blip r:embed="rId5" cstate="print">
-            <a:extLst>
-              <a:ext uri="{28A0092B-C50C-407E-A947-70E740481C1C}">
-                <a14:useLocalDpi xmlns:a14="http://schemas.microsoft.com/office/drawing/2010/main"/>
-              </a:ext>
-            </a:extLst>
-          </a:blip>
-          <a:stretch>
-            <a:fillRect/>
-          </a:stretch>
-        </p:blipFill>
-        <p:spPr>
-          <a:xfrm>
-            <a:off x="6395995" y="1503835"/>
-            <a:ext cx="657600" cy="657600"/>
-          </a:xfrm>
-          <a:prstGeom prst="rect">
-            <a:avLst/>
-          </a:prstGeom>
-        </p:spPr>
-      </p:pic>
       <p:grpSp>
         <p:nvGrpSpPr>
           <p:cNvPr id="74" name="Group 73">
@@ -12397,10 +12207,10 @@
       </p:grpSp>
       <p:pic>
         <p:nvPicPr>
-          <p:cNvPr id="125" name="Picture 124">
+          <p:cNvPr id="2" name="Picture 1">
             <a:extLst>
               <a:ext uri="{FF2B5EF4-FFF2-40B4-BE49-F238E27FC236}">
-                <a16:creationId xmlns:a16="http://schemas.microsoft.com/office/drawing/2014/main" id="{14EE9BC4-AA34-0EB4-5137-A563A9CF4A20}"/>
+                <a16:creationId xmlns:a16="http://schemas.microsoft.com/office/drawing/2014/main" id="{8C42D5C8-8CFF-B802-97F5-0DFDE25B088B}"/>
               </a:ext>
             </a:extLst>
           </p:cNvPr>
@@ -12410,10 +12220,10 @@
           <p:nvPr/>
         </p:nvPicPr>
         <p:blipFill>
-          <a:blip r:embed="rId6" cstate="print">
+          <a:blip r:embed="rId3">
             <a:extLst>
               <a:ext uri="{28A0092B-C50C-407E-A947-70E740481C1C}">
-                <a14:useLocalDpi xmlns:a14="http://schemas.microsoft.com/office/drawing/2010/main"/>
+                <a14:useLocalDpi xmlns:a14="http://schemas.microsoft.com/office/drawing/2010/main" val="0"/>
               </a:ext>
             </a:extLst>
           </a:blip>
@@ -12423,8 +12233,116 @@
         </p:blipFill>
         <p:spPr>
           <a:xfrm>
-            <a:off x="9353473" y="1512035"/>
-            <a:ext cx="657600" cy="657600"/>
+            <a:off x="108485" y="1362853"/>
+            <a:ext cx="576000" cy="720000"/>
+          </a:xfrm>
+          <a:prstGeom prst="rect">
+            <a:avLst/>
+          </a:prstGeom>
+        </p:spPr>
+      </p:pic>
+      <p:pic>
+        <p:nvPicPr>
+          <p:cNvPr id="3" name="Picture 2">
+            <a:extLst>
+              <a:ext uri="{FF2B5EF4-FFF2-40B4-BE49-F238E27FC236}">
+                <a16:creationId xmlns:a16="http://schemas.microsoft.com/office/drawing/2014/main" id="{D3F5BAFE-B4FA-A086-9E69-1CF9AADA644F}"/>
+              </a:ext>
+            </a:extLst>
+          </p:cNvPr>
+          <p:cNvPicPr>
+            <a:picLocks/>
+          </p:cNvPicPr>
+          <p:nvPr/>
+        </p:nvPicPr>
+        <p:blipFill>
+          <a:blip r:embed="rId4" cstate="print">
+            <a:extLst>
+              <a:ext uri="{28A0092B-C50C-407E-A947-70E740481C1C}">
+                <a14:useLocalDpi xmlns:a14="http://schemas.microsoft.com/office/drawing/2010/main" val="0"/>
+              </a:ext>
+            </a:extLst>
+          </a:blip>
+          <a:stretch>
+            <a:fillRect/>
+          </a:stretch>
+        </p:blipFill>
+        <p:spPr>
+          <a:xfrm>
+            <a:off x="3403499" y="1362853"/>
+            <a:ext cx="576000" cy="720000"/>
+          </a:xfrm>
+          <a:prstGeom prst="rect">
+            <a:avLst/>
+          </a:prstGeom>
+        </p:spPr>
+      </p:pic>
+      <p:pic>
+        <p:nvPicPr>
+          <p:cNvPr id="4" name="Picture 3">
+            <a:extLst>
+              <a:ext uri="{FF2B5EF4-FFF2-40B4-BE49-F238E27FC236}">
+                <a16:creationId xmlns:a16="http://schemas.microsoft.com/office/drawing/2014/main" id="{96BB0D5A-9DD5-A266-31BC-D597A50DB9CB}"/>
+              </a:ext>
+            </a:extLst>
+          </p:cNvPr>
+          <p:cNvPicPr>
+            <a:picLocks/>
+          </p:cNvPicPr>
+          <p:nvPr/>
+        </p:nvPicPr>
+        <p:blipFill>
+          <a:blip r:embed="rId5" cstate="print">
+            <a:extLst>
+              <a:ext uri="{28A0092B-C50C-407E-A947-70E740481C1C}">
+                <a14:useLocalDpi xmlns:a14="http://schemas.microsoft.com/office/drawing/2010/main" val="0"/>
+              </a:ext>
+            </a:extLst>
+          </a:blip>
+          <a:stretch>
+            <a:fillRect/>
+          </a:stretch>
+        </p:blipFill>
+        <p:spPr>
+          <a:xfrm>
+            <a:off x="9233411" y="1362176"/>
+            <a:ext cx="576000" cy="720000"/>
+          </a:xfrm>
+          <a:prstGeom prst="rect">
+            <a:avLst/>
+          </a:prstGeom>
+        </p:spPr>
+      </p:pic>
+      <p:pic>
+        <p:nvPicPr>
+          <p:cNvPr id="5" name="Picture 4">
+            <a:extLst>
+              <a:ext uri="{FF2B5EF4-FFF2-40B4-BE49-F238E27FC236}">
+                <a16:creationId xmlns:a16="http://schemas.microsoft.com/office/drawing/2014/main" id="{10244DCD-6E61-6FCC-5F90-353DAA88AC16}"/>
+              </a:ext>
+            </a:extLst>
+          </p:cNvPr>
+          <p:cNvPicPr>
+            <a:picLocks/>
+          </p:cNvPicPr>
+          <p:nvPr/>
+        </p:nvPicPr>
+        <p:blipFill>
+          <a:blip r:embed="rId6">
+            <a:extLst>
+              <a:ext uri="{28A0092B-C50C-407E-A947-70E740481C1C}">
+                <a14:useLocalDpi xmlns:a14="http://schemas.microsoft.com/office/drawing/2010/main" val="0"/>
+              </a:ext>
+            </a:extLst>
+          </a:blip>
+          <a:stretch>
+            <a:fillRect/>
+          </a:stretch>
+        </p:blipFill>
+        <p:spPr>
+          <a:xfrm>
+            <a:off x="6289081" y="1361314"/>
+            <a:ext cx="576000" cy="720000"/>
           </a:xfrm>
           <a:prstGeom prst="rect">
             <a:avLst/>
@@ -13255,42 +13173,6 @@
             </p:txBody>
           </p:sp>
         </p:grpSp>
-        <p:pic>
-          <p:nvPicPr>
-            <p:cNvPr id="12" name="Picture 11">
-              <a:extLst>
-                <a:ext uri="{FF2B5EF4-FFF2-40B4-BE49-F238E27FC236}">
-                  <a16:creationId xmlns:a16="http://schemas.microsoft.com/office/drawing/2014/main" id="{1F68F3CD-85A7-795F-C6CE-D967A06BC94B}"/>
-                </a:ext>
-              </a:extLst>
-            </p:cNvPr>
-            <p:cNvPicPr>
-              <a:picLocks/>
-            </p:cNvPicPr>
-            <p:nvPr/>
-          </p:nvPicPr>
-          <p:blipFill>
-            <a:blip r:embed="rId3" cstate="print">
-              <a:extLst>
-                <a:ext uri="{28A0092B-C50C-407E-A947-70E740481C1C}">
-                  <a14:useLocalDpi xmlns:a14="http://schemas.microsoft.com/office/drawing/2010/main"/>
-                </a:ext>
-              </a:extLst>
-            </a:blip>
-            <a:stretch>
-              <a:fillRect/>
-            </a:stretch>
-          </p:blipFill>
-          <p:spPr>
-            <a:xfrm>
-              <a:off x="289236" y="895739"/>
-              <a:ext cx="492021" cy="493200"/>
-            </a:xfrm>
-            <a:prstGeom prst="rect">
-              <a:avLst/>
-            </a:prstGeom>
-          </p:spPr>
-        </p:pic>
       </p:grpSp>
       <p:grpSp>
         <p:nvGrpSpPr>
@@ -13495,42 +13377,6 @@
           </p:sp>
         </p:grpSp>
       </p:grpSp>
-      <p:pic>
-        <p:nvPicPr>
-          <p:cNvPr id="25" name="Picture 24">
-            <a:extLst>
-              <a:ext uri="{FF2B5EF4-FFF2-40B4-BE49-F238E27FC236}">
-                <a16:creationId xmlns:a16="http://schemas.microsoft.com/office/drawing/2014/main" id="{A1FF6CB6-4AF4-AB7A-1F14-6DD0DBD2041E}"/>
-              </a:ext>
-            </a:extLst>
-          </p:cNvPr>
-          <p:cNvPicPr>
-            <a:picLocks/>
-          </p:cNvPicPr>
-          <p:nvPr/>
-        </p:nvPicPr>
-        <p:blipFill>
-          <a:blip r:embed="rId4" cstate="print">
-            <a:extLst>
-              <a:ext uri="{28A0092B-C50C-407E-A947-70E740481C1C}">
-                <a14:useLocalDpi xmlns:a14="http://schemas.microsoft.com/office/drawing/2010/main"/>
-              </a:ext>
-            </a:extLst>
-          </a:blip>
-          <a:stretch>
-            <a:fillRect/>
-          </a:stretch>
-        </p:blipFill>
-        <p:spPr>
-          <a:xfrm>
-            <a:off x="3447531" y="1503835"/>
-            <a:ext cx="657600" cy="657600"/>
-          </a:xfrm>
-          <a:prstGeom prst="rect">
-            <a:avLst/>
-          </a:prstGeom>
-        </p:spPr>
-      </p:pic>
       <p:grpSp>
         <p:nvGrpSpPr>
           <p:cNvPr id="26" name="Group 25">
@@ -13758,42 +13604,6 @@
           </p:sp>
         </p:grpSp>
       </p:grpSp>
-      <p:pic>
-        <p:nvPicPr>
-          <p:cNvPr id="73" name="Picture 72">
-            <a:extLst>
-              <a:ext uri="{FF2B5EF4-FFF2-40B4-BE49-F238E27FC236}">
-                <a16:creationId xmlns:a16="http://schemas.microsoft.com/office/drawing/2014/main" id="{617546D1-2F8A-370E-A596-F8CB9C8E9FE1}"/>
-              </a:ext>
-            </a:extLst>
-          </p:cNvPr>
-          <p:cNvPicPr>
-            <a:picLocks/>
-          </p:cNvPicPr>
-          <p:nvPr/>
-        </p:nvPicPr>
-        <p:blipFill>
-          <a:blip r:embed="rId5" cstate="print">
-            <a:extLst>
-              <a:ext uri="{28A0092B-C50C-407E-A947-70E740481C1C}">
-                <a14:useLocalDpi xmlns:a14="http://schemas.microsoft.com/office/drawing/2010/main"/>
-              </a:ext>
-            </a:extLst>
-          </a:blip>
-          <a:stretch>
-            <a:fillRect/>
-          </a:stretch>
-        </p:blipFill>
-        <p:spPr>
-          <a:xfrm>
-            <a:off x="6395995" y="1503835"/>
-            <a:ext cx="657600" cy="657600"/>
-          </a:xfrm>
-          <a:prstGeom prst="rect">
-            <a:avLst/>
-          </a:prstGeom>
-        </p:spPr>
-      </p:pic>
       <p:grpSp>
         <p:nvGrpSpPr>
           <p:cNvPr id="74" name="Group 73">
@@ -14005,10 +13815,10 @@
       </p:grpSp>
       <p:pic>
         <p:nvPicPr>
-          <p:cNvPr id="125" name="Picture 124">
+          <p:cNvPr id="2" name="Picture 1">
             <a:extLst>
               <a:ext uri="{FF2B5EF4-FFF2-40B4-BE49-F238E27FC236}">
-                <a16:creationId xmlns:a16="http://schemas.microsoft.com/office/drawing/2014/main" id="{EEFEB8EA-DD83-F944-3755-D474AE91D1A1}"/>
+                <a16:creationId xmlns:a16="http://schemas.microsoft.com/office/drawing/2014/main" id="{4A49DAC9-105D-F126-B8E5-DBCA1182EC1C}"/>
               </a:ext>
             </a:extLst>
           </p:cNvPr>
@@ -14018,10 +13828,10 @@
           <p:nvPr/>
         </p:nvPicPr>
         <p:blipFill>
-          <a:blip r:embed="rId6" cstate="print">
+          <a:blip r:embed="rId3">
             <a:extLst>
               <a:ext uri="{28A0092B-C50C-407E-A947-70E740481C1C}">
-                <a14:useLocalDpi xmlns:a14="http://schemas.microsoft.com/office/drawing/2010/main"/>
+                <a14:useLocalDpi xmlns:a14="http://schemas.microsoft.com/office/drawing/2010/main" val="0"/>
               </a:ext>
             </a:extLst>
           </a:blip>
@@ -14031,8 +13841,116 @@
         </p:blipFill>
         <p:spPr>
           <a:xfrm>
-            <a:off x="9353473" y="1512035"/>
-            <a:ext cx="657600" cy="657600"/>
+            <a:off x="108485" y="1362853"/>
+            <a:ext cx="576000" cy="720000"/>
+          </a:xfrm>
+          <a:prstGeom prst="rect">
+            <a:avLst/>
+          </a:prstGeom>
+        </p:spPr>
+      </p:pic>
+      <p:pic>
+        <p:nvPicPr>
+          <p:cNvPr id="3" name="Picture 2">
+            <a:extLst>
+              <a:ext uri="{FF2B5EF4-FFF2-40B4-BE49-F238E27FC236}">
+                <a16:creationId xmlns:a16="http://schemas.microsoft.com/office/drawing/2014/main" id="{94701C92-844E-A997-CC6F-31FBB29B951D}"/>
+              </a:ext>
+            </a:extLst>
+          </p:cNvPr>
+          <p:cNvPicPr>
+            <a:picLocks/>
+          </p:cNvPicPr>
+          <p:nvPr/>
+        </p:nvPicPr>
+        <p:blipFill>
+          <a:blip r:embed="rId4" cstate="print">
+            <a:extLst>
+              <a:ext uri="{28A0092B-C50C-407E-A947-70E740481C1C}">
+                <a14:useLocalDpi xmlns:a14="http://schemas.microsoft.com/office/drawing/2010/main" val="0"/>
+              </a:ext>
+            </a:extLst>
+          </a:blip>
+          <a:stretch>
+            <a:fillRect/>
+          </a:stretch>
+        </p:blipFill>
+        <p:spPr>
+          <a:xfrm>
+            <a:off x="3403499" y="1362853"/>
+            <a:ext cx="576000" cy="720000"/>
+          </a:xfrm>
+          <a:prstGeom prst="rect">
+            <a:avLst/>
+          </a:prstGeom>
+        </p:spPr>
+      </p:pic>
+      <p:pic>
+        <p:nvPicPr>
+          <p:cNvPr id="4" name="Picture 3">
+            <a:extLst>
+              <a:ext uri="{FF2B5EF4-FFF2-40B4-BE49-F238E27FC236}">
+                <a16:creationId xmlns:a16="http://schemas.microsoft.com/office/drawing/2014/main" id="{8C62B141-57DA-4F17-B7C9-FB84EEBDA97A}"/>
+              </a:ext>
+            </a:extLst>
+          </p:cNvPr>
+          <p:cNvPicPr>
+            <a:picLocks/>
+          </p:cNvPicPr>
+          <p:nvPr/>
+        </p:nvPicPr>
+        <p:blipFill>
+          <a:blip r:embed="rId5" cstate="print">
+            <a:extLst>
+              <a:ext uri="{28A0092B-C50C-407E-A947-70E740481C1C}">
+                <a14:useLocalDpi xmlns:a14="http://schemas.microsoft.com/office/drawing/2010/main" val="0"/>
+              </a:ext>
+            </a:extLst>
+          </a:blip>
+          <a:stretch>
+            <a:fillRect/>
+          </a:stretch>
+        </p:blipFill>
+        <p:spPr>
+          <a:xfrm>
+            <a:off x="9233411" y="1362176"/>
+            <a:ext cx="576000" cy="720000"/>
+          </a:xfrm>
+          <a:prstGeom prst="rect">
+            <a:avLst/>
+          </a:prstGeom>
+        </p:spPr>
+      </p:pic>
+      <p:pic>
+        <p:nvPicPr>
+          <p:cNvPr id="5" name="Picture 4">
+            <a:extLst>
+              <a:ext uri="{FF2B5EF4-FFF2-40B4-BE49-F238E27FC236}">
+                <a16:creationId xmlns:a16="http://schemas.microsoft.com/office/drawing/2014/main" id="{41E15D08-22D2-61E2-91A3-552813D60D70}"/>
+              </a:ext>
+            </a:extLst>
+          </p:cNvPr>
+          <p:cNvPicPr>
+            <a:picLocks/>
+          </p:cNvPicPr>
+          <p:nvPr/>
+        </p:nvPicPr>
+        <p:blipFill>
+          <a:blip r:embed="rId6">
+            <a:extLst>
+              <a:ext uri="{28A0092B-C50C-407E-A947-70E740481C1C}">
+                <a14:useLocalDpi xmlns:a14="http://schemas.microsoft.com/office/drawing/2010/main" val="0"/>
+              </a:ext>
+            </a:extLst>
+          </a:blip>
+          <a:stretch>
+            <a:fillRect/>
+          </a:stretch>
+        </p:blipFill>
+        <p:spPr>
+          <a:xfrm>
+            <a:off x="6289081" y="1361314"/>
+            <a:ext cx="576000" cy="720000"/>
           </a:xfrm>
           <a:prstGeom prst="rect">
             <a:avLst/>
@@ -14891,42 +14809,6 @@
             </p:txBody>
           </p:sp>
         </p:grpSp>
-        <p:pic>
-          <p:nvPicPr>
-            <p:cNvPr id="12" name="Picture 11">
-              <a:extLst>
-                <a:ext uri="{FF2B5EF4-FFF2-40B4-BE49-F238E27FC236}">
-                  <a16:creationId xmlns:a16="http://schemas.microsoft.com/office/drawing/2014/main" id="{90284EBC-FCBE-B035-209C-CDE30A9345B8}"/>
-                </a:ext>
-              </a:extLst>
-            </p:cNvPr>
-            <p:cNvPicPr>
-              <a:picLocks/>
-            </p:cNvPicPr>
-            <p:nvPr/>
-          </p:nvPicPr>
-          <p:blipFill>
-            <a:blip r:embed="rId3" cstate="print">
-              <a:extLst>
-                <a:ext uri="{28A0092B-C50C-407E-A947-70E740481C1C}">
-                  <a14:useLocalDpi xmlns:a14="http://schemas.microsoft.com/office/drawing/2010/main"/>
-                </a:ext>
-              </a:extLst>
-            </a:blip>
-            <a:stretch>
-              <a:fillRect/>
-            </a:stretch>
-          </p:blipFill>
-          <p:spPr>
-            <a:xfrm>
-              <a:off x="289236" y="895739"/>
-              <a:ext cx="492021" cy="493200"/>
-            </a:xfrm>
-            <a:prstGeom prst="rect">
-              <a:avLst/>
-            </a:prstGeom>
-          </p:spPr>
-        </p:pic>
       </p:grpSp>
       <p:grpSp>
         <p:nvGrpSpPr>
@@ -15131,42 +15013,6 @@
           </p:sp>
         </p:grpSp>
       </p:grpSp>
-      <p:pic>
-        <p:nvPicPr>
-          <p:cNvPr id="25" name="Picture 24">
-            <a:extLst>
-              <a:ext uri="{FF2B5EF4-FFF2-40B4-BE49-F238E27FC236}">
-                <a16:creationId xmlns:a16="http://schemas.microsoft.com/office/drawing/2014/main" id="{2BCA4774-5757-1DAA-C75D-2EA261F009FA}"/>
-              </a:ext>
-            </a:extLst>
-          </p:cNvPr>
-          <p:cNvPicPr>
-            <a:picLocks/>
-          </p:cNvPicPr>
-          <p:nvPr/>
-        </p:nvPicPr>
-        <p:blipFill>
-          <a:blip r:embed="rId4" cstate="print">
-            <a:extLst>
-              <a:ext uri="{28A0092B-C50C-407E-A947-70E740481C1C}">
-                <a14:useLocalDpi xmlns:a14="http://schemas.microsoft.com/office/drawing/2010/main"/>
-              </a:ext>
-            </a:extLst>
-          </a:blip>
-          <a:stretch>
-            <a:fillRect/>
-          </a:stretch>
-        </p:blipFill>
-        <p:spPr>
-          <a:xfrm>
-            <a:off x="3447531" y="1503835"/>
-            <a:ext cx="657600" cy="657600"/>
-          </a:xfrm>
-          <a:prstGeom prst="rect">
-            <a:avLst/>
-          </a:prstGeom>
-        </p:spPr>
-      </p:pic>
       <p:grpSp>
         <p:nvGrpSpPr>
           <p:cNvPr id="26" name="Group 25">
@@ -15370,42 +15216,6 @@
           </p:sp>
         </p:grpSp>
       </p:grpSp>
-      <p:pic>
-        <p:nvPicPr>
-          <p:cNvPr id="73" name="Picture 72">
-            <a:extLst>
-              <a:ext uri="{FF2B5EF4-FFF2-40B4-BE49-F238E27FC236}">
-                <a16:creationId xmlns:a16="http://schemas.microsoft.com/office/drawing/2014/main" id="{BCF9F719-19BF-FED9-31AC-C0192215BF71}"/>
-              </a:ext>
-            </a:extLst>
-          </p:cNvPr>
-          <p:cNvPicPr>
-            <a:picLocks/>
-          </p:cNvPicPr>
-          <p:nvPr/>
-        </p:nvPicPr>
-        <p:blipFill>
-          <a:blip r:embed="rId5" cstate="print">
-            <a:extLst>
-              <a:ext uri="{28A0092B-C50C-407E-A947-70E740481C1C}">
-                <a14:useLocalDpi xmlns:a14="http://schemas.microsoft.com/office/drawing/2010/main"/>
-              </a:ext>
-            </a:extLst>
-          </a:blip>
-          <a:stretch>
-            <a:fillRect/>
-          </a:stretch>
-        </p:blipFill>
-        <p:spPr>
-          <a:xfrm>
-            <a:off x="6395995" y="1503835"/>
-            <a:ext cx="657600" cy="657600"/>
-          </a:xfrm>
-          <a:prstGeom prst="rect">
-            <a:avLst/>
-          </a:prstGeom>
-        </p:spPr>
-      </p:pic>
       <p:grpSp>
         <p:nvGrpSpPr>
           <p:cNvPr id="74" name="Group 73">
@@ -15617,10 +15427,10 @@
       </p:grpSp>
       <p:pic>
         <p:nvPicPr>
-          <p:cNvPr id="125" name="Picture 124">
+          <p:cNvPr id="2" name="Picture 1">
             <a:extLst>
               <a:ext uri="{FF2B5EF4-FFF2-40B4-BE49-F238E27FC236}">
-                <a16:creationId xmlns:a16="http://schemas.microsoft.com/office/drawing/2014/main" id="{D2C5CD46-8FD4-638C-19FE-169AA652BF03}"/>
+                <a16:creationId xmlns:a16="http://schemas.microsoft.com/office/drawing/2014/main" id="{FDCB8187-A2C7-B108-E4A6-22BFDADB7EB8}"/>
               </a:ext>
             </a:extLst>
           </p:cNvPr>
@@ -15630,10 +15440,10 @@
           <p:nvPr/>
         </p:nvPicPr>
         <p:blipFill>
-          <a:blip r:embed="rId6" cstate="print">
+          <a:blip r:embed="rId3">
             <a:extLst>
               <a:ext uri="{28A0092B-C50C-407E-A947-70E740481C1C}">
-                <a14:useLocalDpi xmlns:a14="http://schemas.microsoft.com/office/drawing/2010/main"/>
+                <a14:useLocalDpi xmlns:a14="http://schemas.microsoft.com/office/drawing/2010/main" val="0"/>
               </a:ext>
             </a:extLst>
           </a:blip>
@@ -15643,8 +15453,116 @@
         </p:blipFill>
         <p:spPr>
           <a:xfrm>
-            <a:off x="9353473" y="1512035"/>
-            <a:ext cx="657600" cy="657600"/>
+            <a:off x="108485" y="1362853"/>
+            <a:ext cx="576000" cy="720000"/>
+          </a:xfrm>
+          <a:prstGeom prst="rect">
+            <a:avLst/>
+          </a:prstGeom>
+        </p:spPr>
+      </p:pic>
+      <p:pic>
+        <p:nvPicPr>
+          <p:cNvPr id="3" name="Picture 2">
+            <a:extLst>
+              <a:ext uri="{FF2B5EF4-FFF2-40B4-BE49-F238E27FC236}">
+                <a16:creationId xmlns:a16="http://schemas.microsoft.com/office/drawing/2014/main" id="{9233B578-375A-8DB6-2EA0-75593C3094A9}"/>
+              </a:ext>
+            </a:extLst>
+          </p:cNvPr>
+          <p:cNvPicPr>
+            <a:picLocks/>
+          </p:cNvPicPr>
+          <p:nvPr/>
+        </p:nvPicPr>
+        <p:blipFill>
+          <a:blip r:embed="rId4" cstate="print">
+            <a:extLst>
+              <a:ext uri="{28A0092B-C50C-407E-A947-70E740481C1C}">
+                <a14:useLocalDpi xmlns:a14="http://schemas.microsoft.com/office/drawing/2010/main" val="0"/>
+              </a:ext>
+            </a:extLst>
+          </a:blip>
+          <a:stretch>
+            <a:fillRect/>
+          </a:stretch>
+        </p:blipFill>
+        <p:spPr>
+          <a:xfrm>
+            <a:off x="3403499" y="1362853"/>
+            <a:ext cx="576000" cy="720000"/>
+          </a:xfrm>
+          <a:prstGeom prst="rect">
+            <a:avLst/>
+          </a:prstGeom>
+        </p:spPr>
+      </p:pic>
+      <p:pic>
+        <p:nvPicPr>
+          <p:cNvPr id="4" name="Picture 3">
+            <a:extLst>
+              <a:ext uri="{FF2B5EF4-FFF2-40B4-BE49-F238E27FC236}">
+                <a16:creationId xmlns:a16="http://schemas.microsoft.com/office/drawing/2014/main" id="{5107AC1B-1140-894C-11AE-AB3720EC3EE1}"/>
+              </a:ext>
+            </a:extLst>
+          </p:cNvPr>
+          <p:cNvPicPr>
+            <a:picLocks/>
+          </p:cNvPicPr>
+          <p:nvPr/>
+        </p:nvPicPr>
+        <p:blipFill>
+          <a:blip r:embed="rId5" cstate="print">
+            <a:extLst>
+              <a:ext uri="{28A0092B-C50C-407E-A947-70E740481C1C}">
+                <a14:useLocalDpi xmlns:a14="http://schemas.microsoft.com/office/drawing/2010/main" val="0"/>
+              </a:ext>
+            </a:extLst>
+          </a:blip>
+          <a:stretch>
+            <a:fillRect/>
+          </a:stretch>
+        </p:blipFill>
+        <p:spPr>
+          <a:xfrm>
+            <a:off x="9233411" y="1362176"/>
+            <a:ext cx="576000" cy="720000"/>
+          </a:xfrm>
+          <a:prstGeom prst="rect">
+            <a:avLst/>
+          </a:prstGeom>
+        </p:spPr>
+      </p:pic>
+      <p:pic>
+        <p:nvPicPr>
+          <p:cNvPr id="5" name="Picture 4">
+            <a:extLst>
+              <a:ext uri="{FF2B5EF4-FFF2-40B4-BE49-F238E27FC236}">
+                <a16:creationId xmlns:a16="http://schemas.microsoft.com/office/drawing/2014/main" id="{B7261593-7013-EE93-09E3-6D24B79F8E4F}"/>
+              </a:ext>
+            </a:extLst>
+          </p:cNvPr>
+          <p:cNvPicPr>
+            <a:picLocks/>
+          </p:cNvPicPr>
+          <p:nvPr/>
+        </p:nvPicPr>
+        <p:blipFill>
+          <a:blip r:embed="rId6">
+            <a:extLst>
+              <a:ext uri="{28A0092B-C50C-407E-A947-70E740481C1C}">
+                <a14:useLocalDpi xmlns:a14="http://schemas.microsoft.com/office/drawing/2010/main" val="0"/>
+              </a:ext>
+            </a:extLst>
+          </a:blip>
+          <a:stretch>
+            <a:fillRect/>
+          </a:stretch>
+        </p:blipFill>
+        <p:spPr>
+          <a:xfrm>
+            <a:off x="6289081" y="1361314"/>
+            <a:ext cx="576000" cy="720000"/>
           </a:xfrm>
           <a:prstGeom prst="rect">
             <a:avLst/>
@@ -16290,9 +16208,9 @@
         <p:grpSpPr>
           <a:xfrm>
             <a:off x="0" y="1347741"/>
-            <a:ext cx="3398063" cy="5500305"/>
+            <a:ext cx="3314059" cy="5500305"/>
             <a:chOff x="228598" y="778669"/>
-            <a:chExt cx="2383420" cy="4125228"/>
+            <a:chExt cx="2324499" cy="4125228"/>
           </a:xfrm>
         </p:grpSpPr>
         <p:sp>
@@ -16369,10 +16287,10 @@
           </p:nvGrpSpPr>
           <p:grpSpPr>
             <a:xfrm>
-              <a:off x="289237" y="1023051"/>
-              <a:ext cx="2322781" cy="3880846"/>
-              <a:chOff x="1913269" y="2179543"/>
-              <a:chExt cx="2195336" cy="2043270"/>
+              <a:off x="289237" y="1007520"/>
+              <a:ext cx="2263860" cy="3896377"/>
+              <a:chOff x="1913269" y="2171366"/>
+              <a:chExt cx="2139648" cy="2051447"/>
             </a:xfrm>
           </p:grpSpPr>
           <p:sp>
@@ -16389,7 +16307,7 @@
             </p:nvSpPr>
             <p:spPr>
               <a:xfrm>
-                <a:off x="2385342" y="2179543"/>
+                <a:off x="2329654" y="2171366"/>
                 <a:ext cx="1723263" cy="125610"/>
               </a:xfrm>
               <a:prstGeom prst="rect">
@@ -16475,42 +16393,6 @@
             </p:txBody>
           </p:sp>
         </p:grpSp>
-        <p:pic>
-          <p:nvPicPr>
-            <p:cNvPr id="12" name="Picture 11">
-              <a:extLst>
-                <a:ext uri="{FF2B5EF4-FFF2-40B4-BE49-F238E27FC236}">
-                  <a16:creationId xmlns:a16="http://schemas.microsoft.com/office/drawing/2014/main" id="{F84094D6-D578-FF16-CB4C-5803C6D48B14}"/>
-                </a:ext>
-              </a:extLst>
-            </p:cNvPr>
-            <p:cNvPicPr>
-              <a:picLocks/>
-            </p:cNvPicPr>
-            <p:nvPr/>
-          </p:nvPicPr>
-          <p:blipFill>
-            <a:blip r:embed="rId3" cstate="print">
-              <a:extLst>
-                <a:ext uri="{28A0092B-C50C-407E-A947-70E740481C1C}">
-                  <a14:useLocalDpi xmlns:a14="http://schemas.microsoft.com/office/drawing/2010/main"/>
-                </a:ext>
-              </a:extLst>
-            </a:blip>
-            <a:stretch>
-              <a:fillRect/>
-            </a:stretch>
-          </p:blipFill>
-          <p:spPr>
-            <a:xfrm>
-              <a:off x="289236" y="895739"/>
-              <a:ext cx="492021" cy="493200"/>
-            </a:xfrm>
-            <a:prstGeom prst="rect">
-              <a:avLst/>
-            </a:prstGeom>
-          </p:spPr>
-        </p:pic>
       </p:grpSp>
       <p:grpSp>
         <p:nvGrpSpPr>
@@ -16715,42 +16597,6 @@
           </p:sp>
         </p:grpSp>
       </p:grpSp>
-      <p:pic>
-        <p:nvPicPr>
-          <p:cNvPr id="25" name="Picture 24">
-            <a:extLst>
-              <a:ext uri="{FF2B5EF4-FFF2-40B4-BE49-F238E27FC236}">
-                <a16:creationId xmlns:a16="http://schemas.microsoft.com/office/drawing/2014/main" id="{6F66B039-2609-4576-D071-29E48DE82761}"/>
-              </a:ext>
-            </a:extLst>
-          </p:cNvPr>
-          <p:cNvPicPr>
-            <a:picLocks/>
-          </p:cNvPicPr>
-          <p:nvPr/>
-        </p:nvPicPr>
-        <p:blipFill>
-          <a:blip r:embed="rId4" cstate="print">
-            <a:extLst>
-              <a:ext uri="{28A0092B-C50C-407E-A947-70E740481C1C}">
-                <a14:useLocalDpi xmlns:a14="http://schemas.microsoft.com/office/drawing/2010/main"/>
-              </a:ext>
-            </a:extLst>
-          </a:blip>
-          <a:stretch>
-            <a:fillRect/>
-          </a:stretch>
-        </p:blipFill>
-        <p:spPr>
-          <a:xfrm>
-            <a:off x="3447531" y="1503835"/>
-            <a:ext cx="657600" cy="657600"/>
-          </a:xfrm>
-          <a:prstGeom prst="rect">
-            <a:avLst/>
-          </a:prstGeom>
-        </p:spPr>
-      </p:pic>
       <p:grpSp>
         <p:nvGrpSpPr>
           <p:cNvPr id="26" name="Group 25">
@@ -16972,42 +16818,6 @@
           </p:sp>
         </p:grpSp>
       </p:grpSp>
-      <p:pic>
-        <p:nvPicPr>
-          <p:cNvPr id="73" name="Picture 72">
-            <a:extLst>
-              <a:ext uri="{FF2B5EF4-FFF2-40B4-BE49-F238E27FC236}">
-                <a16:creationId xmlns:a16="http://schemas.microsoft.com/office/drawing/2014/main" id="{300361AA-7880-280B-A523-BBB3607E011F}"/>
-              </a:ext>
-            </a:extLst>
-          </p:cNvPr>
-          <p:cNvPicPr>
-            <a:picLocks/>
-          </p:cNvPicPr>
-          <p:nvPr/>
-        </p:nvPicPr>
-        <p:blipFill>
-          <a:blip r:embed="rId5" cstate="print">
-            <a:extLst>
-              <a:ext uri="{28A0092B-C50C-407E-A947-70E740481C1C}">
-                <a14:useLocalDpi xmlns:a14="http://schemas.microsoft.com/office/drawing/2010/main"/>
-              </a:ext>
-            </a:extLst>
-          </a:blip>
-          <a:stretch>
-            <a:fillRect/>
-          </a:stretch>
-        </p:blipFill>
-        <p:spPr>
-          <a:xfrm>
-            <a:off x="6395995" y="1503835"/>
-            <a:ext cx="657600" cy="657600"/>
-          </a:xfrm>
-          <a:prstGeom prst="rect">
-            <a:avLst/>
-          </a:prstGeom>
-        </p:spPr>
-      </p:pic>
       <p:grpSp>
         <p:nvGrpSpPr>
           <p:cNvPr id="74" name="Group 73">
@@ -17207,10 +17017,10 @@
       </p:grpSp>
       <p:pic>
         <p:nvPicPr>
-          <p:cNvPr id="125" name="Picture 124">
+          <p:cNvPr id="2" name="Picture 1">
             <a:extLst>
               <a:ext uri="{FF2B5EF4-FFF2-40B4-BE49-F238E27FC236}">
-                <a16:creationId xmlns:a16="http://schemas.microsoft.com/office/drawing/2014/main" id="{C26B1056-C910-3344-21E8-1A58E44E7599}"/>
+                <a16:creationId xmlns:a16="http://schemas.microsoft.com/office/drawing/2014/main" id="{6ECFC08A-B4B4-EE4A-0BBD-0F22C53032E9}"/>
               </a:ext>
             </a:extLst>
           </p:cNvPr>
@@ -17220,10 +17030,10 @@
           <p:nvPr/>
         </p:nvPicPr>
         <p:blipFill>
-          <a:blip r:embed="rId6" cstate="print">
+          <a:blip r:embed="rId3">
             <a:extLst>
               <a:ext uri="{28A0092B-C50C-407E-A947-70E740481C1C}">
-                <a14:useLocalDpi xmlns:a14="http://schemas.microsoft.com/office/drawing/2010/main"/>
+                <a14:useLocalDpi xmlns:a14="http://schemas.microsoft.com/office/drawing/2010/main" val="0"/>
               </a:ext>
             </a:extLst>
           </a:blip>
@@ -17233,8 +17043,116 @@
         </p:blipFill>
         <p:spPr>
           <a:xfrm>
-            <a:off x="9353473" y="1512035"/>
-            <a:ext cx="657600" cy="657600"/>
+            <a:off x="108485" y="1362853"/>
+            <a:ext cx="576000" cy="720000"/>
+          </a:xfrm>
+          <a:prstGeom prst="rect">
+            <a:avLst/>
+          </a:prstGeom>
+        </p:spPr>
+      </p:pic>
+      <p:pic>
+        <p:nvPicPr>
+          <p:cNvPr id="3" name="Picture 2">
+            <a:extLst>
+              <a:ext uri="{FF2B5EF4-FFF2-40B4-BE49-F238E27FC236}">
+                <a16:creationId xmlns:a16="http://schemas.microsoft.com/office/drawing/2014/main" id="{E0C92FBF-151E-A3DF-46E1-5948E5EDD1FF}"/>
+              </a:ext>
+            </a:extLst>
+          </p:cNvPr>
+          <p:cNvPicPr>
+            <a:picLocks/>
+          </p:cNvPicPr>
+          <p:nvPr/>
+        </p:nvPicPr>
+        <p:blipFill>
+          <a:blip r:embed="rId4" cstate="print">
+            <a:extLst>
+              <a:ext uri="{28A0092B-C50C-407E-A947-70E740481C1C}">
+                <a14:useLocalDpi xmlns:a14="http://schemas.microsoft.com/office/drawing/2010/main" val="0"/>
+              </a:ext>
+            </a:extLst>
+          </a:blip>
+          <a:stretch>
+            <a:fillRect/>
+          </a:stretch>
+        </p:blipFill>
+        <p:spPr>
+          <a:xfrm>
+            <a:off x="3403499" y="1362853"/>
+            <a:ext cx="576000" cy="720000"/>
+          </a:xfrm>
+          <a:prstGeom prst="rect">
+            <a:avLst/>
+          </a:prstGeom>
+        </p:spPr>
+      </p:pic>
+      <p:pic>
+        <p:nvPicPr>
+          <p:cNvPr id="4" name="Picture 3">
+            <a:extLst>
+              <a:ext uri="{FF2B5EF4-FFF2-40B4-BE49-F238E27FC236}">
+                <a16:creationId xmlns:a16="http://schemas.microsoft.com/office/drawing/2014/main" id="{1F7E137F-0BB5-8C56-5B0B-2D7B43938B23}"/>
+              </a:ext>
+            </a:extLst>
+          </p:cNvPr>
+          <p:cNvPicPr>
+            <a:picLocks/>
+          </p:cNvPicPr>
+          <p:nvPr/>
+        </p:nvPicPr>
+        <p:blipFill>
+          <a:blip r:embed="rId5" cstate="print">
+            <a:extLst>
+              <a:ext uri="{28A0092B-C50C-407E-A947-70E740481C1C}">
+                <a14:useLocalDpi xmlns:a14="http://schemas.microsoft.com/office/drawing/2010/main" val="0"/>
+              </a:ext>
+            </a:extLst>
+          </a:blip>
+          <a:stretch>
+            <a:fillRect/>
+          </a:stretch>
+        </p:blipFill>
+        <p:spPr>
+          <a:xfrm>
+            <a:off x="9233411" y="1362176"/>
+            <a:ext cx="576000" cy="720000"/>
+          </a:xfrm>
+          <a:prstGeom prst="rect">
+            <a:avLst/>
+          </a:prstGeom>
+        </p:spPr>
+      </p:pic>
+      <p:pic>
+        <p:nvPicPr>
+          <p:cNvPr id="5" name="Picture 4">
+            <a:extLst>
+              <a:ext uri="{FF2B5EF4-FFF2-40B4-BE49-F238E27FC236}">
+                <a16:creationId xmlns:a16="http://schemas.microsoft.com/office/drawing/2014/main" id="{36B72705-AD54-BD7A-30E1-02C34DB9FE2C}"/>
+              </a:ext>
+            </a:extLst>
+          </p:cNvPr>
+          <p:cNvPicPr>
+            <a:picLocks/>
+          </p:cNvPicPr>
+          <p:nvPr/>
+        </p:nvPicPr>
+        <p:blipFill>
+          <a:blip r:embed="rId6">
+            <a:extLst>
+              <a:ext uri="{28A0092B-C50C-407E-A947-70E740481C1C}">
+                <a14:useLocalDpi xmlns:a14="http://schemas.microsoft.com/office/drawing/2010/main" val="0"/>
+              </a:ext>
+            </a:extLst>
+          </a:blip>
+          <a:stretch>
+            <a:fillRect/>
+          </a:stretch>
+        </p:blipFill>
+        <p:spPr>
+          <a:xfrm>
+            <a:off x="6289081" y="1361314"/>
+            <a:ext cx="576000" cy="720000"/>
           </a:xfrm>
           <a:prstGeom prst="rect">
             <a:avLst/>
@@ -17880,9 +17798,9 @@
         <p:grpSpPr>
           <a:xfrm>
             <a:off x="0" y="1347742"/>
-            <a:ext cx="3284514" cy="6362273"/>
+            <a:ext cx="3198063" cy="6362274"/>
             <a:chOff x="228598" y="778669"/>
-            <a:chExt cx="2303776" cy="4771705"/>
+            <a:chExt cx="2243139" cy="4771706"/>
           </a:xfrm>
         </p:grpSpPr>
         <p:sp>
@@ -17959,10 +17877,10 @@
           </p:nvGrpSpPr>
           <p:grpSpPr>
             <a:xfrm>
-              <a:off x="289237" y="958348"/>
-              <a:ext cx="2243137" cy="4592026"/>
-              <a:chOff x="1913269" y="2145476"/>
-              <a:chExt cx="2120062" cy="2417707"/>
+              <a:off x="289237" y="999433"/>
+              <a:ext cx="2173350" cy="4550942"/>
+              <a:chOff x="1913269" y="2167107"/>
+              <a:chExt cx="2054104" cy="2396076"/>
             </a:xfrm>
           </p:grpSpPr>
           <p:sp>
@@ -17979,7 +17897,7 @@
             </p:nvSpPr>
             <p:spPr>
               <a:xfrm>
-                <a:off x="2431882" y="2145476"/>
+                <a:off x="2282793" y="2167107"/>
                 <a:ext cx="1601449" cy="125610"/>
               </a:xfrm>
               <a:prstGeom prst="rect">
@@ -18078,42 +17996,6 @@
             </p:txBody>
           </p:sp>
         </p:grpSp>
-        <p:pic>
-          <p:nvPicPr>
-            <p:cNvPr id="12" name="Picture 11">
-              <a:extLst>
-                <a:ext uri="{FF2B5EF4-FFF2-40B4-BE49-F238E27FC236}">
-                  <a16:creationId xmlns:a16="http://schemas.microsoft.com/office/drawing/2014/main" id="{9E431D5A-4889-A5C4-39BE-CE11BBD7693E}"/>
-                </a:ext>
-              </a:extLst>
-            </p:cNvPr>
-            <p:cNvPicPr>
-              <a:picLocks/>
-            </p:cNvPicPr>
-            <p:nvPr/>
-          </p:nvPicPr>
-          <p:blipFill>
-            <a:blip r:embed="rId3" cstate="print">
-              <a:extLst>
-                <a:ext uri="{28A0092B-C50C-407E-A947-70E740481C1C}">
-                  <a14:useLocalDpi xmlns:a14="http://schemas.microsoft.com/office/drawing/2010/main"/>
-                </a:ext>
-              </a:extLst>
-            </a:blip>
-            <a:stretch>
-              <a:fillRect/>
-            </a:stretch>
-          </p:blipFill>
-          <p:spPr>
-            <a:xfrm>
-              <a:off x="289236" y="895739"/>
-              <a:ext cx="492021" cy="493200"/>
-            </a:xfrm>
-            <a:prstGeom prst="rect">
-              <a:avLst/>
-            </a:prstGeom>
-          </p:spPr>
-        </p:pic>
       </p:grpSp>
       <p:grpSp>
         <p:nvGrpSpPr>
@@ -18324,42 +18206,6 @@
           </p:sp>
         </p:grpSp>
       </p:grpSp>
-      <p:pic>
-        <p:nvPicPr>
-          <p:cNvPr id="25" name="Picture 24">
-            <a:extLst>
-              <a:ext uri="{FF2B5EF4-FFF2-40B4-BE49-F238E27FC236}">
-                <a16:creationId xmlns:a16="http://schemas.microsoft.com/office/drawing/2014/main" id="{39C0063E-EF40-0241-4B97-C6A6395CC109}"/>
-              </a:ext>
-            </a:extLst>
-          </p:cNvPr>
-          <p:cNvPicPr>
-            <a:picLocks/>
-          </p:cNvPicPr>
-          <p:nvPr/>
-        </p:nvPicPr>
-        <p:blipFill>
-          <a:blip r:embed="rId4" cstate="print">
-            <a:extLst>
-              <a:ext uri="{28A0092B-C50C-407E-A947-70E740481C1C}">
-                <a14:useLocalDpi xmlns:a14="http://schemas.microsoft.com/office/drawing/2010/main"/>
-              </a:ext>
-            </a:extLst>
-          </a:blip>
-          <a:stretch>
-            <a:fillRect/>
-          </a:stretch>
-        </p:blipFill>
-        <p:spPr>
-          <a:xfrm>
-            <a:off x="3447531" y="1503835"/>
-            <a:ext cx="657600" cy="657600"/>
-          </a:xfrm>
-          <a:prstGeom prst="rect">
-            <a:avLst/>
-          </a:prstGeom>
-        </p:spPr>
-      </p:pic>
       <p:grpSp>
         <p:nvGrpSpPr>
           <p:cNvPr id="26" name="Group 25">
@@ -18575,42 +18421,6 @@
           </p:sp>
         </p:grpSp>
       </p:grpSp>
-      <p:pic>
-        <p:nvPicPr>
-          <p:cNvPr id="73" name="Picture 72">
-            <a:extLst>
-              <a:ext uri="{FF2B5EF4-FFF2-40B4-BE49-F238E27FC236}">
-                <a16:creationId xmlns:a16="http://schemas.microsoft.com/office/drawing/2014/main" id="{C5D87CD3-26DF-2945-15FB-EFEF7C7C6455}"/>
-              </a:ext>
-            </a:extLst>
-          </p:cNvPr>
-          <p:cNvPicPr>
-            <a:picLocks/>
-          </p:cNvPicPr>
-          <p:nvPr/>
-        </p:nvPicPr>
-        <p:blipFill>
-          <a:blip r:embed="rId5" cstate="print">
-            <a:extLst>
-              <a:ext uri="{28A0092B-C50C-407E-A947-70E740481C1C}">
-                <a14:useLocalDpi xmlns:a14="http://schemas.microsoft.com/office/drawing/2010/main"/>
-              </a:ext>
-            </a:extLst>
-          </a:blip>
-          <a:stretch>
-            <a:fillRect/>
-          </a:stretch>
-        </p:blipFill>
-        <p:spPr>
-          <a:xfrm>
-            <a:off x="6395995" y="1503835"/>
-            <a:ext cx="657600" cy="657600"/>
-          </a:xfrm>
-          <a:prstGeom prst="rect">
-            <a:avLst/>
-          </a:prstGeom>
-        </p:spPr>
-      </p:pic>
       <p:grpSp>
         <p:nvGrpSpPr>
           <p:cNvPr id="74" name="Group 73">
@@ -18834,10 +18644,10 @@
       </p:grpSp>
       <p:pic>
         <p:nvPicPr>
-          <p:cNvPr id="125" name="Picture 124">
+          <p:cNvPr id="2" name="Picture 1">
             <a:extLst>
               <a:ext uri="{FF2B5EF4-FFF2-40B4-BE49-F238E27FC236}">
-                <a16:creationId xmlns:a16="http://schemas.microsoft.com/office/drawing/2014/main" id="{1935E88D-DD28-FA69-4855-66AFEC634F46}"/>
+                <a16:creationId xmlns:a16="http://schemas.microsoft.com/office/drawing/2014/main" id="{E0170AFE-BD1F-EA1A-72AC-DDD985908364}"/>
               </a:ext>
             </a:extLst>
           </p:cNvPr>
@@ -18847,10 +18657,10 @@
           <p:nvPr/>
         </p:nvPicPr>
         <p:blipFill>
-          <a:blip r:embed="rId6" cstate="print">
+          <a:blip r:embed="rId3">
             <a:extLst>
               <a:ext uri="{28A0092B-C50C-407E-A947-70E740481C1C}">
-                <a14:useLocalDpi xmlns:a14="http://schemas.microsoft.com/office/drawing/2010/main"/>
+                <a14:useLocalDpi xmlns:a14="http://schemas.microsoft.com/office/drawing/2010/main" val="0"/>
               </a:ext>
             </a:extLst>
           </a:blip>
@@ -18860,8 +18670,116 @@
         </p:blipFill>
         <p:spPr>
           <a:xfrm>
-            <a:off x="9353473" y="1512035"/>
-            <a:ext cx="657600" cy="657600"/>
+            <a:off x="108485" y="1362853"/>
+            <a:ext cx="576000" cy="720000"/>
+          </a:xfrm>
+          <a:prstGeom prst="rect">
+            <a:avLst/>
+          </a:prstGeom>
+        </p:spPr>
+      </p:pic>
+      <p:pic>
+        <p:nvPicPr>
+          <p:cNvPr id="3" name="Picture 2">
+            <a:extLst>
+              <a:ext uri="{FF2B5EF4-FFF2-40B4-BE49-F238E27FC236}">
+                <a16:creationId xmlns:a16="http://schemas.microsoft.com/office/drawing/2014/main" id="{A2334111-66B9-4BC1-58CA-E5ECFC75B645}"/>
+              </a:ext>
+            </a:extLst>
+          </p:cNvPr>
+          <p:cNvPicPr>
+            <a:picLocks/>
+          </p:cNvPicPr>
+          <p:nvPr/>
+        </p:nvPicPr>
+        <p:blipFill>
+          <a:blip r:embed="rId4" cstate="print">
+            <a:extLst>
+              <a:ext uri="{28A0092B-C50C-407E-A947-70E740481C1C}">
+                <a14:useLocalDpi xmlns:a14="http://schemas.microsoft.com/office/drawing/2010/main" val="0"/>
+              </a:ext>
+            </a:extLst>
+          </a:blip>
+          <a:stretch>
+            <a:fillRect/>
+          </a:stretch>
+        </p:blipFill>
+        <p:spPr>
+          <a:xfrm>
+            <a:off x="3403499" y="1362853"/>
+            <a:ext cx="576000" cy="720000"/>
+          </a:xfrm>
+          <a:prstGeom prst="rect">
+            <a:avLst/>
+          </a:prstGeom>
+        </p:spPr>
+      </p:pic>
+      <p:pic>
+        <p:nvPicPr>
+          <p:cNvPr id="4" name="Picture 3">
+            <a:extLst>
+              <a:ext uri="{FF2B5EF4-FFF2-40B4-BE49-F238E27FC236}">
+                <a16:creationId xmlns:a16="http://schemas.microsoft.com/office/drawing/2014/main" id="{6ECC0FAA-616C-34B2-735F-5061B84B623A}"/>
+              </a:ext>
+            </a:extLst>
+          </p:cNvPr>
+          <p:cNvPicPr>
+            <a:picLocks/>
+          </p:cNvPicPr>
+          <p:nvPr/>
+        </p:nvPicPr>
+        <p:blipFill>
+          <a:blip r:embed="rId5" cstate="print">
+            <a:extLst>
+              <a:ext uri="{28A0092B-C50C-407E-A947-70E740481C1C}">
+                <a14:useLocalDpi xmlns:a14="http://schemas.microsoft.com/office/drawing/2010/main" val="0"/>
+              </a:ext>
+            </a:extLst>
+          </a:blip>
+          <a:stretch>
+            <a:fillRect/>
+          </a:stretch>
+        </p:blipFill>
+        <p:spPr>
+          <a:xfrm>
+            <a:off x="9233411" y="1362176"/>
+            <a:ext cx="576000" cy="720000"/>
+          </a:xfrm>
+          <a:prstGeom prst="rect">
+            <a:avLst/>
+          </a:prstGeom>
+        </p:spPr>
+      </p:pic>
+      <p:pic>
+        <p:nvPicPr>
+          <p:cNvPr id="5" name="Picture 4">
+            <a:extLst>
+              <a:ext uri="{FF2B5EF4-FFF2-40B4-BE49-F238E27FC236}">
+                <a16:creationId xmlns:a16="http://schemas.microsoft.com/office/drawing/2014/main" id="{2E6582A7-8F2C-78EA-08B6-C0F973B91F68}"/>
+              </a:ext>
+            </a:extLst>
+          </p:cNvPr>
+          <p:cNvPicPr>
+            <a:picLocks/>
+          </p:cNvPicPr>
+          <p:nvPr/>
+        </p:nvPicPr>
+        <p:blipFill>
+          <a:blip r:embed="rId6">
+            <a:extLst>
+              <a:ext uri="{28A0092B-C50C-407E-A947-70E740481C1C}">
+                <a14:useLocalDpi xmlns:a14="http://schemas.microsoft.com/office/drawing/2010/main" val="0"/>
+              </a:ext>
+            </a:extLst>
+          </a:blip>
+          <a:stretch>
+            <a:fillRect/>
+          </a:stretch>
+        </p:blipFill>
+        <p:spPr>
+          <a:xfrm>
+            <a:off x="6289081" y="1361314"/>
+            <a:ext cx="576000" cy="720000"/>
           </a:xfrm>
           <a:prstGeom prst="rect">
             <a:avLst/>
@@ -19698,42 +19616,6 @@
             </p:txBody>
           </p:sp>
         </p:grpSp>
-        <p:pic>
-          <p:nvPicPr>
-            <p:cNvPr id="12" name="Picture 11">
-              <a:extLst>
-                <a:ext uri="{FF2B5EF4-FFF2-40B4-BE49-F238E27FC236}">
-                  <a16:creationId xmlns:a16="http://schemas.microsoft.com/office/drawing/2014/main" id="{8165D78E-A632-59BE-8418-DB5C227F5075}"/>
-                </a:ext>
-              </a:extLst>
-            </p:cNvPr>
-            <p:cNvPicPr>
-              <a:picLocks/>
-            </p:cNvPicPr>
-            <p:nvPr/>
-          </p:nvPicPr>
-          <p:blipFill>
-            <a:blip r:embed="rId3" cstate="print">
-              <a:extLst>
-                <a:ext uri="{28A0092B-C50C-407E-A947-70E740481C1C}">
-                  <a14:useLocalDpi xmlns:a14="http://schemas.microsoft.com/office/drawing/2010/main"/>
-                </a:ext>
-              </a:extLst>
-            </a:blip>
-            <a:stretch>
-              <a:fillRect/>
-            </a:stretch>
-          </p:blipFill>
-          <p:spPr>
-            <a:xfrm>
-              <a:off x="289236" y="895739"/>
-              <a:ext cx="492021" cy="493200"/>
-            </a:xfrm>
-            <a:prstGeom prst="rect">
-              <a:avLst/>
-            </a:prstGeom>
-          </p:spPr>
-        </p:pic>
       </p:grpSp>
       <p:grpSp>
         <p:nvGrpSpPr>
@@ -19944,42 +19826,6 @@
           </p:sp>
         </p:grpSp>
       </p:grpSp>
-      <p:pic>
-        <p:nvPicPr>
-          <p:cNvPr id="25" name="Picture 24">
-            <a:extLst>
-              <a:ext uri="{FF2B5EF4-FFF2-40B4-BE49-F238E27FC236}">
-                <a16:creationId xmlns:a16="http://schemas.microsoft.com/office/drawing/2014/main" id="{691CEBBB-C93E-B308-AE5D-1A96EC0E5DD5}"/>
-              </a:ext>
-            </a:extLst>
-          </p:cNvPr>
-          <p:cNvPicPr>
-            <a:picLocks/>
-          </p:cNvPicPr>
-          <p:nvPr/>
-        </p:nvPicPr>
-        <p:blipFill>
-          <a:blip r:embed="rId4" cstate="print">
-            <a:extLst>
-              <a:ext uri="{28A0092B-C50C-407E-A947-70E740481C1C}">
-                <a14:useLocalDpi xmlns:a14="http://schemas.microsoft.com/office/drawing/2010/main"/>
-              </a:ext>
-            </a:extLst>
-          </a:blip>
-          <a:stretch>
-            <a:fillRect/>
-          </a:stretch>
-        </p:blipFill>
-        <p:spPr>
-          <a:xfrm>
-            <a:off x="3447531" y="1503835"/>
-            <a:ext cx="657600" cy="657600"/>
-          </a:xfrm>
-          <a:prstGeom prst="rect">
-            <a:avLst/>
-          </a:prstGeom>
-        </p:spPr>
-      </p:pic>
       <p:grpSp>
         <p:nvGrpSpPr>
           <p:cNvPr id="26" name="Group 25">
@@ -20195,42 +20041,6 @@
           </p:sp>
         </p:grpSp>
       </p:grpSp>
-      <p:pic>
-        <p:nvPicPr>
-          <p:cNvPr id="73" name="Picture 72">
-            <a:extLst>
-              <a:ext uri="{FF2B5EF4-FFF2-40B4-BE49-F238E27FC236}">
-                <a16:creationId xmlns:a16="http://schemas.microsoft.com/office/drawing/2014/main" id="{CF2619D1-38DC-18FA-1C87-20128CF11AD4}"/>
-              </a:ext>
-            </a:extLst>
-          </p:cNvPr>
-          <p:cNvPicPr>
-            <a:picLocks/>
-          </p:cNvPicPr>
-          <p:nvPr/>
-        </p:nvPicPr>
-        <p:blipFill>
-          <a:blip r:embed="rId5" cstate="print">
-            <a:extLst>
-              <a:ext uri="{28A0092B-C50C-407E-A947-70E740481C1C}">
-                <a14:useLocalDpi xmlns:a14="http://schemas.microsoft.com/office/drawing/2010/main"/>
-              </a:ext>
-            </a:extLst>
-          </a:blip>
-          <a:stretch>
-            <a:fillRect/>
-          </a:stretch>
-        </p:blipFill>
-        <p:spPr>
-          <a:xfrm>
-            <a:off x="6395995" y="1503835"/>
-            <a:ext cx="657600" cy="657600"/>
-          </a:xfrm>
-          <a:prstGeom prst="rect">
-            <a:avLst/>
-          </a:prstGeom>
-        </p:spPr>
-      </p:pic>
       <p:grpSp>
         <p:nvGrpSpPr>
           <p:cNvPr id="74" name="Group 73">
@@ -20442,10 +20252,10 @@
       </p:grpSp>
       <p:pic>
         <p:nvPicPr>
-          <p:cNvPr id="125" name="Picture 124">
+          <p:cNvPr id="2" name="Picture 1">
             <a:extLst>
               <a:ext uri="{FF2B5EF4-FFF2-40B4-BE49-F238E27FC236}">
-                <a16:creationId xmlns:a16="http://schemas.microsoft.com/office/drawing/2014/main" id="{5D3AAD99-A641-0488-7364-4D20BD21B159}"/>
+                <a16:creationId xmlns:a16="http://schemas.microsoft.com/office/drawing/2014/main" id="{FB2D0A73-610E-9AA4-94A2-AEE80EF7E839}"/>
               </a:ext>
             </a:extLst>
           </p:cNvPr>
@@ -20455,10 +20265,10 @@
           <p:nvPr/>
         </p:nvPicPr>
         <p:blipFill>
-          <a:blip r:embed="rId6" cstate="print">
+          <a:blip r:embed="rId3">
             <a:extLst>
               <a:ext uri="{28A0092B-C50C-407E-A947-70E740481C1C}">
-                <a14:useLocalDpi xmlns:a14="http://schemas.microsoft.com/office/drawing/2010/main"/>
+                <a14:useLocalDpi xmlns:a14="http://schemas.microsoft.com/office/drawing/2010/main" val="0"/>
               </a:ext>
             </a:extLst>
           </a:blip>
@@ -20468,8 +20278,116 @@
         </p:blipFill>
         <p:spPr>
           <a:xfrm>
-            <a:off x="9353473" y="1512035"/>
-            <a:ext cx="657600" cy="657600"/>
+            <a:off x="108485" y="1362853"/>
+            <a:ext cx="576000" cy="720000"/>
+          </a:xfrm>
+          <a:prstGeom prst="rect">
+            <a:avLst/>
+          </a:prstGeom>
+        </p:spPr>
+      </p:pic>
+      <p:pic>
+        <p:nvPicPr>
+          <p:cNvPr id="3" name="Picture 2">
+            <a:extLst>
+              <a:ext uri="{FF2B5EF4-FFF2-40B4-BE49-F238E27FC236}">
+                <a16:creationId xmlns:a16="http://schemas.microsoft.com/office/drawing/2014/main" id="{CFC6A5FD-BB0E-128D-F361-91886B09BD3A}"/>
+              </a:ext>
+            </a:extLst>
+          </p:cNvPr>
+          <p:cNvPicPr>
+            <a:picLocks/>
+          </p:cNvPicPr>
+          <p:nvPr/>
+        </p:nvPicPr>
+        <p:blipFill>
+          <a:blip r:embed="rId4" cstate="print">
+            <a:extLst>
+              <a:ext uri="{28A0092B-C50C-407E-A947-70E740481C1C}">
+                <a14:useLocalDpi xmlns:a14="http://schemas.microsoft.com/office/drawing/2010/main" val="0"/>
+              </a:ext>
+            </a:extLst>
+          </a:blip>
+          <a:stretch>
+            <a:fillRect/>
+          </a:stretch>
+        </p:blipFill>
+        <p:spPr>
+          <a:xfrm>
+            <a:off x="3403499" y="1362853"/>
+            <a:ext cx="576000" cy="720000"/>
+          </a:xfrm>
+          <a:prstGeom prst="rect">
+            <a:avLst/>
+          </a:prstGeom>
+        </p:spPr>
+      </p:pic>
+      <p:pic>
+        <p:nvPicPr>
+          <p:cNvPr id="4" name="Picture 3">
+            <a:extLst>
+              <a:ext uri="{FF2B5EF4-FFF2-40B4-BE49-F238E27FC236}">
+                <a16:creationId xmlns:a16="http://schemas.microsoft.com/office/drawing/2014/main" id="{08D71EDF-FFE7-7B7A-89D2-FB5815D5E45E}"/>
+              </a:ext>
+            </a:extLst>
+          </p:cNvPr>
+          <p:cNvPicPr>
+            <a:picLocks/>
+          </p:cNvPicPr>
+          <p:nvPr/>
+        </p:nvPicPr>
+        <p:blipFill>
+          <a:blip r:embed="rId5" cstate="print">
+            <a:extLst>
+              <a:ext uri="{28A0092B-C50C-407E-A947-70E740481C1C}">
+                <a14:useLocalDpi xmlns:a14="http://schemas.microsoft.com/office/drawing/2010/main" val="0"/>
+              </a:ext>
+            </a:extLst>
+          </a:blip>
+          <a:stretch>
+            <a:fillRect/>
+          </a:stretch>
+        </p:blipFill>
+        <p:spPr>
+          <a:xfrm>
+            <a:off x="9233411" y="1362176"/>
+            <a:ext cx="576000" cy="720000"/>
+          </a:xfrm>
+          <a:prstGeom prst="rect">
+            <a:avLst/>
+          </a:prstGeom>
+        </p:spPr>
+      </p:pic>
+      <p:pic>
+        <p:nvPicPr>
+          <p:cNvPr id="5" name="Picture 4">
+            <a:extLst>
+              <a:ext uri="{FF2B5EF4-FFF2-40B4-BE49-F238E27FC236}">
+                <a16:creationId xmlns:a16="http://schemas.microsoft.com/office/drawing/2014/main" id="{087C47CA-D0BB-D6FF-82E5-54F2225D966C}"/>
+              </a:ext>
+            </a:extLst>
+          </p:cNvPr>
+          <p:cNvPicPr>
+            <a:picLocks/>
+          </p:cNvPicPr>
+          <p:nvPr/>
+        </p:nvPicPr>
+        <p:blipFill>
+          <a:blip r:embed="rId6">
+            <a:extLst>
+              <a:ext uri="{28A0092B-C50C-407E-A947-70E740481C1C}">
+                <a14:useLocalDpi xmlns:a14="http://schemas.microsoft.com/office/drawing/2010/main" val="0"/>
+              </a:ext>
+            </a:extLst>
+          </a:blip>
+          <a:stretch>
+            <a:fillRect/>
+          </a:stretch>
+        </p:blipFill>
+        <p:spPr>
+          <a:xfrm>
+            <a:off x="6289081" y="1361314"/>
+            <a:ext cx="576000" cy="720000"/>
           </a:xfrm>
           <a:prstGeom prst="rect">
             <a:avLst/>
@@ -21115,9 +21033,9 @@
         <p:grpSpPr>
           <a:xfrm>
             <a:off x="203010" y="1347742"/>
-            <a:ext cx="3076018" cy="5212984"/>
+            <a:ext cx="3034787" cy="5212984"/>
             <a:chOff x="228598" y="778669"/>
-            <a:chExt cx="2303777" cy="3909738"/>
+            <a:chExt cx="2272897" cy="3909738"/>
           </a:xfrm>
         </p:grpSpPr>
         <p:sp>
@@ -21194,10 +21112,10 @@
           </p:nvGrpSpPr>
           <p:grpSpPr>
             <a:xfrm>
-              <a:off x="289237" y="957575"/>
-              <a:ext cx="2243138" cy="3730832"/>
-              <a:chOff x="1913269" y="2145069"/>
-              <a:chExt cx="2120063" cy="1964287"/>
+              <a:off x="289237" y="959611"/>
+              <a:ext cx="2212258" cy="3728796"/>
+              <a:chOff x="1913269" y="2146141"/>
+              <a:chExt cx="2090877" cy="1963215"/>
             </a:xfrm>
           </p:grpSpPr>
           <p:sp>
@@ -21214,7 +21132,7 @@
             </p:nvSpPr>
             <p:spPr>
               <a:xfrm>
-                <a:off x="2252757" y="2145069"/>
+                <a:off x="2223571" y="2146141"/>
                 <a:ext cx="1780575" cy="125610"/>
               </a:xfrm>
               <a:prstGeom prst="rect">
@@ -21291,42 +21209,6 @@
             </p:txBody>
           </p:sp>
         </p:grpSp>
-        <p:pic>
-          <p:nvPicPr>
-            <p:cNvPr id="12" name="Picture 11">
-              <a:extLst>
-                <a:ext uri="{FF2B5EF4-FFF2-40B4-BE49-F238E27FC236}">
-                  <a16:creationId xmlns:a16="http://schemas.microsoft.com/office/drawing/2014/main" id="{46FA9F9E-6DBF-4079-D5C2-D1B73214A6D9}"/>
-                </a:ext>
-              </a:extLst>
-            </p:cNvPr>
-            <p:cNvPicPr>
-              <a:picLocks/>
-            </p:cNvPicPr>
-            <p:nvPr/>
-          </p:nvPicPr>
-          <p:blipFill>
-            <a:blip r:embed="rId3" cstate="print">
-              <a:extLst>
-                <a:ext uri="{28A0092B-C50C-407E-A947-70E740481C1C}">
-                  <a14:useLocalDpi xmlns:a14="http://schemas.microsoft.com/office/drawing/2010/main"/>
-                </a:ext>
-              </a:extLst>
-            </a:blip>
-            <a:stretch>
-              <a:fillRect/>
-            </a:stretch>
-          </p:blipFill>
-          <p:spPr>
-            <a:xfrm>
-              <a:off x="289236" y="895739"/>
-              <a:ext cx="492021" cy="493200"/>
-            </a:xfrm>
-            <a:prstGeom prst="rect">
-              <a:avLst/>
-            </a:prstGeom>
-          </p:spPr>
-        </p:pic>
       </p:grpSp>
       <p:grpSp>
         <p:nvGrpSpPr>
@@ -21559,42 +21441,6 @@
           </p:sp>
         </p:grpSp>
       </p:grpSp>
-      <p:pic>
-        <p:nvPicPr>
-          <p:cNvPr id="25" name="Picture 24">
-            <a:extLst>
-              <a:ext uri="{FF2B5EF4-FFF2-40B4-BE49-F238E27FC236}">
-                <a16:creationId xmlns:a16="http://schemas.microsoft.com/office/drawing/2014/main" id="{0CC1145A-51BD-70CC-C690-8539F8DE6713}"/>
-              </a:ext>
-            </a:extLst>
-          </p:cNvPr>
-          <p:cNvPicPr>
-            <a:picLocks/>
-          </p:cNvPicPr>
-          <p:nvPr/>
-        </p:nvPicPr>
-        <p:blipFill>
-          <a:blip r:embed="rId4" cstate="print">
-            <a:extLst>
-              <a:ext uri="{28A0092B-C50C-407E-A947-70E740481C1C}">
-                <a14:useLocalDpi xmlns:a14="http://schemas.microsoft.com/office/drawing/2010/main"/>
-              </a:ext>
-            </a:extLst>
-          </a:blip>
-          <a:stretch>
-            <a:fillRect/>
-          </a:stretch>
-        </p:blipFill>
-        <p:spPr>
-          <a:xfrm>
-            <a:off x="3447531" y="1503835"/>
-            <a:ext cx="657600" cy="657600"/>
-          </a:xfrm>
-          <a:prstGeom prst="rect">
-            <a:avLst/>
-          </a:prstGeom>
-        </p:spPr>
-      </p:pic>
       <p:grpSp>
         <p:nvGrpSpPr>
           <p:cNvPr id="26" name="Group 25">
@@ -21834,42 +21680,6 @@
           </p:sp>
         </p:grpSp>
       </p:grpSp>
-      <p:pic>
-        <p:nvPicPr>
-          <p:cNvPr id="73" name="Picture 72">
-            <a:extLst>
-              <a:ext uri="{FF2B5EF4-FFF2-40B4-BE49-F238E27FC236}">
-                <a16:creationId xmlns:a16="http://schemas.microsoft.com/office/drawing/2014/main" id="{246716E8-2113-3022-B8B0-1FAA91457B9F}"/>
-              </a:ext>
-            </a:extLst>
-          </p:cNvPr>
-          <p:cNvPicPr>
-            <a:picLocks/>
-          </p:cNvPicPr>
-          <p:nvPr/>
-        </p:nvPicPr>
-        <p:blipFill>
-          <a:blip r:embed="rId5" cstate="print">
-            <a:extLst>
-              <a:ext uri="{28A0092B-C50C-407E-A947-70E740481C1C}">
-                <a14:useLocalDpi xmlns:a14="http://schemas.microsoft.com/office/drawing/2010/main"/>
-              </a:ext>
-            </a:extLst>
-          </a:blip>
-          <a:stretch>
-            <a:fillRect/>
-          </a:stretch>
-        </p:blipFill>
-        <p:spPr>
-          <a:xfrm>
-            <a:off x="6395995" y="1503835"/>
-            <a:ext cx="657600" cy="657600"/>
-          </a:xfrm>
-          <a:prstGeom prst="rect">
-            <a:avLst/>
-          </a:prstGeom>
-        </p:spPr>
-      </p:pic>
       <p:grpSp>
         <p:nvGrpSpPr>
           <p:cNvPr id="74" name="Group 73">
@@ -22081,10 +21891,10 @@
       </p:grpSp>
       <p:pic>
         <p:nvPicPr>
-          <p:cNvPr id="125" name="Picture 124">
+          <p:cNvPr id="2" name="Picture 1">
             <a:extLst>
               <a:ext uri="{FF2B5EF4-FFF2-40B4-BE49-F238E27FC236}">
-                <a16:creationId xmlns:a16="http://schemas.microsoft.com/office/drawing/2014/main" id="{8608702C-538C-BB83-6B54-16764BCB5832}"/>
+                <a16:creationId xmlns:a16="http://schemas.microsoft.com/office/drawing/2014/main" id="{90D9F64A-BD63-3C9D-55C4-55712EC38A0E}"/>
               </a:ext>
             </a:extLst>
           </p:cNvPr>
@@ -22094,10 +21904,10 @@
           <p:nvPr/>
         </p:nvPicPr>
         <p:blipFill>
-          <a:blip r:embed="rId6" cstate="print">
+          <a:blip r:embed="rId3">
             <a:extLst>
               <a:ext uri="{28A0092B-C50C-407E-A947-70E740481C1C}">
-                <a14:useLocalDpi xmlns:a14="http://schemas.microsoft.com/office/drawing/2010/main"/>
+                <a14:useLocalDpi xmlns:a14="http://schemas.microsoft.com/office/drawing/2010/main" val="0"/>
               </a:ext>
             </a:extLst>
           </a:blip>
@@ -22107,8 +21917,116 @@
         </p:blipFill>
         <p:spPr>
           <a:xfrm>
-            <a:off x="9353473" y="1512035"/>
-            <a:ext cx="657600" cy="657600"/>
+            <a:off x="108485" y="1362853"/>
+            <a:ext cx="576000" cy="720000"/>
+          </a:xfrm>
+          <a:prstGeom prst="rect">
+            <a:avLst/>
+          </a:prstGeom>
+        </p:spPr>
+      </p:pic>
+      <p:pic>
+        <p:nvPicPr>
+          <p:cNvPr id="3" name="Picture 2">
+            <a:extLst>
+              <a:ext uri="{FF2B5EF4-FFF2-40B4-BE49-F238E27FC236}">
+                <a16:creationId xmlns:a16="http://schemas.microsoft.com/office/drawing/2014/main" id="{4F94FCC2-C0EE-F912-FAE0-89026EF68EAC}"/>
+              </a:ext>
+            </a:extLst>
+          </p:cNvPr>
+          <p:cNvPicPr>
+            <a:picLocks/>
+          </p:cNvPicPr>
+          <p:nvPr/>
+        </p:nvPicPr>
+        <p:blipFill>
+          <a:blip r:embed="rId4" cstate="print">
+            <a:extLst>
+              <a:ext uri="{28A0092B-C50C-407E-A947-70E740481C1C}">
+                <a14:useLocalDpi xmlns:a14="http://schemas.microsoft.com/office/drawing/2010/main" val="0"/>
+              </a:ext>
+            </a:extLst>
+          </a:blip>
+          <a:stretch>
+            <a:fillRect/>
+          </a:stretch>
+        </p:blipFill>
+        <p:spPr>
+          <a:xfrm>
+            <a:off x="3403499" y="1362853"/>
+            <a:ext cx="576000" cy="720000"/>
+          </a:xfrm>
+          <a:prstGeom prst="rect">
+            <a:avLst/>
+          </a:prstGeom>
+        </p:spPr>
+      </p:pic>
+      <p:pic>
+        <p:nvPicPr>
+          <p:cNvPr id="4" name="Picture 3">
+            <a:extLst>
+              <a:ext uri="{FF2B5EF4-FFF2-40B4-BE49-F238E27FC236}">
+                <a16:creationId xmlns:a16="http://schemas.microsoft.com/office/drawing/2014/main" id="{28B37302-9BE2-0DB9-C322-29700C00D9C5}"/>
+              </a:ext>
+            </a:extLst>
+          </p:cNvPr>
+          <p:cNvPicPr>
+            <a:picLocks/>
+          </p:cNvPicPr>
+          <p:nvPr/>
+        </p:nvPicPr>
+        <p:blipFill>
+          <a:blip r:embed="rId5" cstate="print">
+            <a:extLst>
+              <a:ext uri="{28A0092B-C50C-407E-A947-70E740481C1C}">
+                <a14:useLocalDpi xmlns:a14="http://schemas.microsoft.com/office/drawing/2010/main" val="0"/>
+              </a:ext>
+            </a:extLst>
+          </a:blip>
+          <a:stretch>
+            <a:fillRect/>
+          </a:stretch>
+        </p:blipFill>
+        <p:spPr>
+          <a:xfrm>
+            <a:off x="9233411" y="1362176"/>
+            <a:ext cx="576000" cy="720000"/>
+          </a:xfrm>
+          <a:prstGeom prst="rect">
+            <a:avLst/>
+          </a:prstGeom>
+        </p:spPr>
+      </p:pic>
+      <p:pic>
+        <p:nvPicPr>
+          <p:cNvPr id="5" name="Picture 4">
+            <a:extLst>
+              <a:ext uri="{FF2B5EF4-FFF2-40B4-BE49-F238E27FC236}">
+                <a16:creationId xmlns:a16="http://schemas.microsoft.com/office/drawing/2014/main" id="{B926408D-5EB1-6182-C8DF-9B640205BDE0}"/>
+              </a:ext>
+            </a:extLst>
+          </p:cNvPr>
+          <p:cNvPicPr>
+            <a:picLocks/>
+          </p:cNvPicPr>
+          <p:nvPr/>
+        </p:nvPicPr>
+        <p:blipFill>
+          <a:blip r:embed="rId6">
+            <a:extLst>
+              <a:ext uri="{28A0092B-C50C-407E-A947-70E740481C1C}">
+                <a14:useLocalDpi xmlns:a14="http://schemas.microsoft.com/office/drawing/2010/main" val="0"/>
+              </a:ext>
+            </a:extLst>
+          </a:blip>
+          <a:stretch>
+            <a:fillRect/>
+          </a:stretch>
+        </p:blipFill>
+        <p:spPr>
+          <a:xfrm>
+            <a:off x="6289081" y="1361314"/>
+            <a:ext cx="576000" cy="720000"/>
           </a:xfrm>
           <a:prstGeom prst="rect">
             <a:avLst/>
@@ -24145,9 +24063,9 @@
         <p:grpSpPr>
           <a:xfrm>
             <a:off x="0" y="1347742"/>
-            <a:ext cx="3266347" cy="5787631"/>
+            <a:ext cx="3198063" cy="5787631"/>
             <a:chOff x="228598" y="778669"/>
-            <a:chExt cx="2291034" cy="4340724"/>
+            <a:chExt cx="2243139" cy="4340724"/>
           </a:xfrm>
         </p:grpSpPr>
         <p:sp>
@@ -24224,10 +24142,10 @@
           </p:nvGrpSpPr>
           <p:grpSpPr>
             <a:xfrm>
-              <a:off x="289237" y="971792"/>
-              <a:ext cx="2230395" cy="4147601"/>
-              <a:chOff x="1913269" y="2152554"/>
-              <a:chExt cx="2108019" cy="2183716"/>
+              <a:off x="289237" y="961110"/>
+              <a:ext cx="2173350" cy="4158283"/>
+              <a:chOff x="1913269" y="2146930"/>
+              <a:chExt cx="2054104" cy="2189340"/>
             </a:xfrm>
           </p:grpSpPr>
           <p:sp>
@@ -24244,7 +24162,7 @@
             </p:nvSpPr>
             <p:spPr>
               <a:xfrm>
-                <a:off x="2400272" y="2152554"/>
+                <a:off x="2339367" y="2146930"/>
                 <a:ext cx="1621016" cy="125610"/>
               </a:xfrm>
               <a:prstGeom prst="rect">
@@ -24336,42 +24254,6 @@
             </p:txBody>
           </p:sp>
         </p:grpSp>
-        <p:pic>
-          <p:nvPicPr>
-            <p:cNvPr id="12" name="Picture 11">
-              <a:extLst>
-                <a:ext uri="{FF2B5EF4-FFF2-40B4-BE49-F238E27FC236}">
-                  <a16:creationId xmlns:a16="http://schemas.microsoft.com/office/drawing/2014/main" id="{44D5ABA6-387A-80C3-18F9-2397FE3E9116}"/>
-                </a:ext>
-              </a:extLst>
-            </p:cNvPr>
-            <p:cNvPicPr>
-              <a:picLocks/>
-            </p:cNvPicPr>
-            <p:nvPr/>
-          </p:nvPicPr>
-          <p:blipFill>
-            <a:blip r:embed="rId3" cstate="print">
-              <a:extLst>
-                <a:ext uri="{28A0092B-C50C-407E-A947-70E740481C1C}">
-                  <a14:useLocalDpi xmlns:a14="http://schemas.microsoft.com/office/drawing/2010/main"/>
-                </a:ext>
-              </a:extLst>
-            </a:blip>
-            <a:stretch>
-              <a:fillRect/>
-            </a:stretch>
-          </p:blipFill>
-          <p:spPr>
-            <a:xfrm>
-              <a:off x="289236" y="895739"/>
-              <a:ext cx="492021" cy="493200"/>
-            </a:xfrm>
-            <a:prstGeom prst="rect">
-              <a:avLst/>
-            </a:prstGeom>
-          </p:spPr>
-        </p:pic>
       </p:grpSp>
       <p:grpSp>
         <p:nvGrpSpPr>
@@ -24576,42 +24458,6 @@
           </p:sp>
         </p:grpSp>
       </p:grpSp>
-      <p:pic>
-        <p:nvPicPr>
-          <p:cNvPr id="25" name="Picture 24">
-            <a:extLst>
-              <a:ext uri="{FF2B5EF4-FFF2-40B4-BE49-F238E27FC236}">
-                <a16:creationId xmlns:a16="http://schemas.microsoft.com/office/drawing/2014/main" id="{DE241262-8D51-C7AB-8F34-816B2AF3E562}"/>
-              </a:ext>
-            </a:extLst>
-          </p:cNvPr>
-          <p:cNvPicPr>
-            <a:picLocks/>
-          </p:cNvPicPr>
-          <p:nvPr/>
-        </p:nvPicPr>
-        <p:blipFill>
-          <a:blip r:embed="rId4" cstate="print">
-            <a:extLst>
-              <a:ext uri="{28A0092B-C50C-407E-A947-70E740481C1C}">
-                <a14:useLocalDpi xmlns:a14="http://schemas.microsoft.com/office/drawing/2010/main"/>
-              </a:ext>
-            </a:extLst>
-          </a:blip>
-          <a:stretch>
-            <a:fillRect/>
-          </a:stretch>
-        </p:blipFill>
-        <p:spPr>
-          <a:xfrm>
-            <a:off x="3447531" y="1503835"/>
-            <a:ext cx="657600" cy="657600"/>
-          </a:xfrm>
-          <a:prstGeom prst="rect">
-            <a:avLst/>
-          </a:prstGeom>
-        </p:spPr>
-      </p:pic>
       <p:grpSp>
         <p:nvGrpSpPr>
           <p:cNvPr id="26" name="Group 25">
@@ -24839,42 +24685,6 @@
           </p:sp>
         </p:grpSp>
       </p:grpSp>
-      <p:pic>
-        <p:nvPicPr>
-          <p:cNvPr id="73" name="Picture 72">
-            <a:extLst>
-              <a:ext uri="{FF2B5EF4-FFF2-40B4-BE49-F238E27FC236}">
-                <a16:creationId xmlns:a16="http://schemas.microsoft.com/office/drawing/2014/main" id="{FFB81670-4684-8436-7D73-8F348D12C019}"/>
-              </a:ext>
-            </a:extLst>
-          </p:cNvPr>
-          <p:cNvPicPr>
-            <a:picLocks/>
-          </p:cNvPicPr>
-          <p:nvPr/>
-        </p:nvPicPr>
-        <p:blipFill>
-          <a:blip r:embed="rId5" cstate="print">
-            <a:extLst>
-              <a:ext uri="{28A0092B-C50C-407E-A947-70E740481C1C}">
-                <a14:useLocalDpi xmlns:a14="http://schemas.microsoft.com/office/drawing/2010/main"/>
-              </a:ext>
-            </a:extLst>
-          </a:blip>
-          <a:stretch>
-            <a:fillRect/>
-          </a:stretch>
-        </p:blipFill>
-        <p:spPr>
-          <a:xfrm>
-            <a:off x="6395995" y="1503835"/>
-            <a:ext cx="657600" cy="657600"/>
-          </a:xfrm>
-          <a:prstGeom prst="rect">
-            <a:avLst/>
-          </a:prstGeom>
-        </p:spPr>
-      </p:pic>
       <p:grpSp>
         <p:nvGrpSpPr>
           <p:cNvPr id="74" name="Group 73">
@@ -25086,10 +24896,10 @@
       </p:grpSp>
       <p:pic>
         <p:nvPicPr>
-          <p:cNvPr id="125" name="Picture 124">
+          <p:cNvPr id="2" name="Picture 1">
             <a:extLst>
               <a:ext uri="{FF2B5EF4-FFF2-40B4-BE49-F238E27FC236}">
-                <a16:creationId xmlns:a16="http://schemas.microsoft.com/office/drawing/2014/main" id="{1E414BA9-ACFE-541B-9756-0B8B8EAB0839}"/>
+                <a16:creationId xmlns:a16="http://schemas.microsoft.com/office/drawing/2014/main" id="{84C0B175-7213-7161-4701-8DF78504BAE0}"/>
               </a:ext>
             </a:extLst>
           </p:cNvPr>
@@ -25099,10 +24909,10 @@
           <p:nvPr/>
         </p:nvPicPr>
         <p:blipFill>
-          <a:blip r:embed="rId6" cstate="print">
+          <a:blip r:embed="rId3">
             <a:extLst>
               <a:ext uri="{28A0092B-C50C-407E-A947-70E740481C1C}">
-                <a14:useLocalDpi xmlns:a14="http://schemas.microsoft.com/office/drawing/2010/main"/>
+                <a14:useLocalDpi xmlns:a14="http://schemas.microsoft.com/office/drawing/2010/main" val="0"/>
               </a:ext>
             </a:extLst>
           </a:blip>
@@ -25112,8 +24922,116 @@
         </p:blipFill>
         <p:spPr>
           <a:xfrm>
-            <a:off x="9353473" y="1512035"/>
-            <a:ext cx="657600" cy="657600"/>
+            <a:off x="108485" y="1362853"/>
+            <a:ext cx="576000" cy="720000"/>
+          </a:xfrm>
+          <a:prstGeom prst="rect">
+            <a:avLst/>
+          </a:prstGeom>
+        </p:spPr>
+      </p:pic>
+      <p:pic>
+        <p:nvPicPr>
+          <p:cNvPr id="3" name="Picture 2">
+            <a:extLst>
+              <a:ext uri="{FF2B5EF4-FFF2-40B4-BE49-F238E27FC236}">
+                <a16:creationId xmlns:a16="http://schemas.microsoft.com/office/drawing/2014/main" id="{6E739B7C-EE6C-26C2-98D1-3CB716D9981D}"/>
+              </a:ext>
+            </a:extLst>
+          </p:cNvPr>
+          <p:cNvPicPr>
+            <a:picLocks/>
+          </p:cNvPicPr>
+          <p:nvPr/>
+        </p:nvPicPr>
+        <p:blipFill>
+          <a:blip r:embed="rId4" cstate="print">
+            <a:extLst>
+              <a:ext uri="{28A0092B-C50C-407E-A947-70E740481C1C}">
+                <a14:useLocalDpi xmlns:a14="http://schemas.microsoft.com/office/drawing/2010/main" val="0"/>
+              </a:ext>
+            </a:extLst>
+          </a:blip>
+          <a:stretch>
+            <a:fillRect/>
+          </a:stretch>
+        </p:blipFill>
+        <p:spPr>
+          <a:xfrm>
+            <a:off x="3403499" y="1362853"/>
+            <a:ext cx="576000" cy="720000"/>
+          </a:xfrm>
+          <a:prstGeom prst="rect">
+            <a:avLst/>
+          </a:prstGeom>
+        </p:spPr>
+      </p:pic>
+      <p:pic>
+        <p:nvPicPr>
+          <p:cNvPr id="4" name="Picture 3">
+            <a:extLst>
+              <a:ext uri="{FF2B5EF4-FFF2-40B4-BE49-F238E27FC236}">
+                <a16:creationId xmlns:a16="http://schemas.microsoft.com/office/drawing/2014/main" id="{8AD844F4-8F04-8290-D49B-044C12A089E6}"/>
+              </a:ext>
+            </a:extLst>
+          </p:cNvPr>
+          <p:cNvPicPr>
+            <a:picLocks/>
+          </p:cNvPicPr>
+          <p:nvPr/>
+        </p:nvPicPr>
+        <p:blipFill>
+          <a:blip r:embed="rId5" cstate="print">
+            <a:extLst>
+              <a:ext uri="{28A0092B-C50C-407E-A947-70E740481C1C}">
+                <a14:useLocalDpi xmlns:a14="http://schemas.microsoft.com/office/drawing/2010/main" val="0"/>
+              </a:ext>
+            </a:extLst>
+          </a:blip>
+          <a:stretch>
+            <a:fillRect/>
+          </a:stretch>
+        </p:blipFill>
+        <p:spPr>
+          <a:xfrm>
+            <a:off x="9233411" y="1362176"/>
+            <a:ext cx="576000" cy="720000"/>
+          </a:xfrm>
+          <a:prstGeom prst="rect">
+            <a:avLst/>
+          </a:prstGeom>
+        </p:spPr>
+      </p:pic>
+      <p:pic>
+        <p:nvPicPr>
+          <p:cNvPr id="5" name="Picture 4">
+            <a:extLst>
+              <a:ext uri="{FF2B5EF4-FFF2-40B4-BE49-F238E27FC236}">
+                <a16:creationId xmlns:a16="http://schemas.microsoft.com/office/drawing/2014/main" id="{1155B912-0018-5F4E-78A5-A1E5F73E2C18}"/>
+              </a:ext>
+            </a:extLst>
+          </p:cNvPr>
+          <p:cNvPicPr>
+            <a:picLocks/>
+          </p:cNvPicPr>
+          <p:nvPr/>
+        </p:nvPicPr>
+        <p:blipFill>
+          <a:blip r:embed="rId6">
+            <a:extLst>
+              <a:ext uri="{28A0092B-C50C-407E-A947-70E740481C1C}">
+                <a14:useLocalDpi xmlns:a14="http://schemas.microsoft.com/office/drawing/2010/main" val="0"/>
+              </a:ext>
+            </a:extLst>
+          </a:blip>
+          <a:stretch>
+            <a:fillRect/>
+          </a:stretch>
+        </p:blipFill>
+        <p:spPr>
+          <a:xfrm>
+            <a:off x="6289081" y="1361314"/>
+            <a:ext cx="576000" cy="720000"/>
           </a:xfrm>
           <a:prstGeom prst="rect">
             <a:avLst/>
@@ -25761,9 +25679,9 @@
         <p:grpSpPr>
           <a:xfrm>
             <a:off x="203010" y="1347742"/>
-            <a:ext cx="3172399" cy="5500305"/>
+            <a:ext cx="2995054" cy="5500306"/>
             <a:chOff x="228598" y="778669"/>
-            <a:chExt cx="2375961" cy="4125228"/>
+            <a:chExt cx="2243139" cy="4125229"/>
           </a:xfrm>
         </p:grpSpPr>
         <p:sp>
@@ -25840,10 +25758,10 @@
           </p:nvGrpSpPr>
           <p:grpSpPr>
             <a:xfrm>
-              <a:off x="289237" y="1029200"/>
-              <a:ext cx="2315322" cy="3874697"/>
-              <a:chOff x="1913269" y="2182780"/>
-              <a:chExt cx="2188286" cy="2040032"/>
+              <a:off x="289237" y="988760"/>
+              <a:ext cx="2173350" cy="3915138"/>
+              <a:chOff x="1913269" y="2161488"/>
+              <a:chExt cx="2054104" cy="2061324"/>
             </a:xfrm>
           </p:grpSpPr>
           <p:sp>
@@ -25860,7 +25778,7 @@
             </p:nvSpPr>
             <p:spPr>
               <a:xfrm>
-                <a:off x="2378293" y="2182780"/>
+                <a:off x="2239202" y="2161488"/>
                 <a:ext cx="1723262" cy="125610"/>
               </a:xfrm>
               <a:prstGeom prst="rect">
@@ -25937,42 +25855,6 @@
             </p:txBody>
           </p:sp>
         </p:grpSp>
-        <p:pic>
-          <p:nvPicPr>
-            <p:cNvPr id="12" name="Picture 11">
-              <a:extLst>
-                <a:ext uri="{FF2B5EF4-FFF2-40B4-BE49-F238E27FC236}">
-                  <a16:creationId xmlns:a16="http://schemas.microsoft.com/office/drawing/2014/main" id="{5C342BAB-294C-F11E-AD8B-C070D867FE10}"/>
-                </a:ext>
-              </a:extLst>
-            </p:cNvPr>
-            <p:cNvPicPr>
-              <a:picLocks/>
-            </p:cNvPicPr>
-            <p:nvPr/>
-          </p:nvPicPr>
-          <p:blipFill>
-            <a:blip r:embed="rId3" cstate="print">
-              <a:extLst>
-                <a:ext uri="{28A0092B-C50C-407E-A947-70E740481C1C}">
-                  <a14:useLocalDpi xmlns:a14="http://schemas.microsoft.com/office/drawing/2010/main"/>
-                </a:ext>
-              </a:extLst>
-            </a:blip>
-            <a:stretch>
-              <a:fillRect/>
-            </a:stretch>
-          </p:blipFill>
-          <p:spPr>
-            <a:xfrm>
-              <a:off x="289236" y="895739"/>
-              <a:ext cx="492021" cy="493200"/>
-            </a:xfrm>
-            <a:prstGeom prst="rect">
-              <a:avLst/>
-            </a:prstGeom>
-          </p:spPr>
-        </p:pic>
       </p:grpSp>
       <p:grpSp>
         <p:nvGrpSpPr>
@@ -26189,42 +26071,6 @@
           </p:sp>
         </p:grpSp>
       </p:grpSp>
-      <p:pic>
-        <p:nvPicPr>
-          <p:cNvPr id="25" name="Picture 24">
-            <a:extLst>
-              <a:ext uri="{FF2B5EF4-FFF2-40B4-BE49-F238E27FC236}">
-                <a16:creationId xmlns:a16="http://schemas.microsoft.com/office/drawing/2014/main" id="{D2FE77F6-7DA8-7645-59B8-0741CD5D010A}"/>
-              </a:ext>
-            </a:extLst>
-          </p:cNvPr>
-          <p:cNvPicPr>
-            <a:picLocks/>
-          </p:cNvPicPr>
-          <p:nvPr/>
-        </p:nvPicPr>
-        <p:blipFill>
-          <a:blip r:embed="rId4" cstate="print">
-            <a:extLst>
-              <a:ext uri="{28A0092B-C50C-407E-A947-70E740481C1C}">
-                <a14:useLocalDpi xmlns:a14="http://schemas.microsoft.com/office/drawing/2010/main"/>
-              </a:ext>
-            </a:extLst>
-          </a:blip>
-          <a:stretch>
-            <a:fillRect/>
-          </a:stretch>
-        </p:blipFill>
-        <p:spPr>
-          <a:xfrm>
-            <a:off x="3447531" y="1503835"/>
-            <a:ext cx="657600" cy="657600"/>
-          </a:xfrm>
-          <a:prstGeom prst="rect">
-            <a:avLst/>
-          </a:prstGeom>
-        </p:spPr>
-      </p:pic>
       <p:grpSp>
         <p:nvGrpSpPr>
           <p:cNvPr id="26" name="Group 25">
@@ -26440,42 +26286,6 @@
           </p:sp>
         </p:grpSp>
       </p:grpSp>
-      <p:pic>
-        <p:nvPicPr>
-          <p:cNvPr id="73" name="Picture 72">
-            <a:extLst>
-              <a:ext uri="{FF2B5EF4-FFF2-40B4-BE49-F238E27FC236}">
-                <a16:creationId xmlns:a16="http://schemas.microsoft.com/office/drawing/2014/main" id="{04760A0B-4AF1-2484-2F9A-D4AA27AB7503}"/>
-              </a:ext>
-            </a:extLst>
-          </p:cNvPr>
-          <p:cNvPicPr>
-            <a:picLocks/>
-          </p:cNvPicPr>
-          <p:nvPr/>
-        </p:nvPicPr>
-        <p:blipFill>
-          <a:blip r:embed="rId5" cstate="print">
-            <a:extLst>
-              <a:ext uri="{28A0092B-C50C-407E-A947-70E740481C1C}">
-                <a14:useLocalDpi xmlns:a14="http://schemas.microsoft.com/office/drawing/2010/main"/>
-              </a:ext>
-            </a:extLst>
-          </a:blip>
-          <a:stretch>
-            <a:fillRect/>
-          </a:stretch>
-        </p:blipFill>
-        <p:spPr>
-          <a:xfrm>
-            <a:off x="6395995" y="1503835"/>
-            <a:ext cx="657600" cy="657600"/>
-          </a:xfrm>
-          <a:prstGeom prst="rect">
-            <a:avLst/>
-          </a:prstGeom>
-        </p:spPr>
-      </p:pic>
       <p:grpSp>
         <p:nvGrpSpPr>
           <p:cNvPr id="74" name="Group 73">
@@ -26687,10 +26497,10 @@
       </p:grpSp>
       <p:pic>
         <p:nvPicPr>
-          <p:cNvPr id="125" name="Picture 124">
+          <p:cNvPr id="2" name="Picture 1">
             <a:extLst>
               <a:ext uri="{FF2B5EF4-FFF2-40B4-BE49-F238E27FC236}">
-                <a16:creationId xmlns:a16="http://schemas.microsoft.com/office/drawing/2014/main" id="{1508F674-96F3-0497-9837-9412D48BC2E4}"/>
+                <a16:creationId xmlns:a16="http://schemas.microsoft.com/office/drawing/2014/main" id="{5AE9521A-9DF9-49A3-58E0-97BA7F5FBDA3}"/>
               </a:ext>
             </a:extLst>
           </p:cNvPr>
@@ -26700,10 +26510,10 @@
           <p:nvPr/>
         </p:nvPicPr>
         <p:blipFill>
-          <a:blip r:embed="rId6" cstate="print">
+          <a:blip r:embed="rId3">
             <a:extLst>
               <a:ext uri="{28A0092B-C50C-407E-A947-70E740481C1C}">
-                <a14:useLocalDpi xmlns:a14="http://schemas.microsoft.com/office/drawing/2010/main"/>
+                <a14:useLocalDpi xmlns:a14="http://schemas.microsoft.com/office/drawing/2010/main" val="0"/>
               </a:ext>
             </a:extLst>
           </a:blip>
@@ -26713,8 +26523,116 @@
         </p:blipFill>
         <p:spPr>
           <a:xfrm>
-            <a:off x="9353473" y="1512035"/>
-            <a:ext cx="657600" cy="657600"/>
+            <a:off x="108485" y="1362853"/>
+            <a:ext cx="576000" cy="720000"/>
+          </a:xfrm>
+          <a:prstGeom prst="rect">
+            <a:avLst/>
+          </a:prstGeom>
+        </p:spPr>
+      </p:pic>
+      <p:pic>
+        <p:nvPicPr>
+          <p:cNvPr id="3" name="Picture 2">
+            <a:extLst>
+              <a:ext uri="{FF2B5EF4-FFF2-40B4-BE49-F238E27FC236}">
+                <a16:creationId xmlns:a16="http://schemas.microsoft.com/office/drawing/2014/main" id="{CBF57F1C-24AE-B381-81AB-04C4AFF65F80}"/>
+              </a:ext>
+            </a:extLst>
+          </p:cNvPr>
+          <p:cNvPicPr>
+            <a:picLocks/>
+          </p:cNvPicPr>
+          <p:nvPr/>
+        </p:nvPicPr>
+        <p:blipFill>
+          <a:blip r:embed="rId4" cstate="print">
+            <a:extLst>
+              <a:ext uri="{28A0092B-C50C-407E-A947-70E740481C1C}">
+                <a14:useLocalDpi xmlns:a14="http://schemas.microsoft.com/office/drawing/2010/main" val="0"/>
+              </a:ext>
+            </a:extLst>
+          </a:blip>
+          <a:stretch>
+            <a:fillRect/>
+          </a:stretch>
+        </p:blipFill>
+        <p:spPr>
+          <a:xfrm>
+            <a:off x="3403499" y="1362853"/>
+            <a:ext cx="576000" cy="720000"/>
+          </a:xfrm>
+          <a:prstGeom prst="rect">
+            <a:avLst/>
+          </a:prstGeom>
+        </p:spPr>
+      </p:pic>
+      <p:pic>
+        <p:nvPicPr>
+          <p:cNvPr id="4" name="Picture 3">
+            <a:extLst>
+              <a:ext uri="{FF2B5EF4-FFF2-40B4-BE49-F238E27FC236}">
+                <a16:creationId xmlns:a16="http://schemas.microsoft.com/office/drawing/2014/main" id="{7D004A24-B721-DF1C-DBC6-62D8B012F827}"/>
+              </a:ext>
+            </a:extLst>
+          </p:cNvPr>
+          <p:cNvPicPr>
+            <a:picLocks/>
+          </p:cNvPicPr>
+          <p:nvPr/>
+        </p:nvPicPr>
+        <p:blipFill>
+          <a:blip r:embed="rId5" cstate="print">
+            <a:extLst>
+              <a:ext uri="{28A0092B-C50C-407E-A947-70E740481C1C}">
+                <a14:useLocalDpi xmlns:a14="http://schemas.microsoft.com/office/drawing/2010/main" val="0"/>
+              </a:ext>
+            </a:extLst>
+          </a:blip>
+          <a:stretch>
+            <a:fillRect/>
+          </a:stretch>
+        </p:blipFill>
+        <p:spPr>
+          <a:xfrm>
+            <a:off x="9233411" y="1362176"/>
+            <a:ext cx="576000" cy="720000"/>
+          </a:xfrm>
+          <a:prstGeom prst="rect">
+            <a:avLst/>
+          </a:prstGeom>
+        </p:spPr>
+      </p:pic>
+      <p:pic>
+        <p:nvPicPr>
+          <p:cNvPr id="5" name="Picture 4">
+            <a:extLst>
+              <a:ext uri="{FF2B5EF4-FFF2-40B4-BE49-F238E27FC236}">
+                <a16:creationId xmlns:a16="http://schemas.microsoft.com/office/drawing/2014/main" id="{78F4BAF0-5458-E36A-4C08-5DD2D49E8BCD}"/>
+              </a:ext>
+            </a:extLst>
+          </p:cNvPr>
+          <p:cNvPicPr>
+            <a:picLocks/>
+          </p:cNvPicPr>
+          <p:nvPr/>
+        </p:nvPicPr>
+        <p:blipFill>
+          <a:blip r:embed="rId6">
+            <a:extLst>
+              <a:ext uri="{28A0092B-C50C-407E-A947-70E740481C1C}">
+                <a14:useLocalDpi xmlns:a14="http://schemas.microsoft.com/office/drawing/2010/main" val="0"/>
+              </a:ext>
+            </a:extLst>
+          </a:blip>
+          <a:stretch>
+            <a:fillRect/>
+          </a:stretch>
+        </p:blipFill>
+        <p:spPr>
+          <a:xfrm>
+            <a:off x="6289081" y="1361314"/>
+            <a:ext cx="576000" cy="720000"/>
           </a:xfrm>
           <a:prstGeom prst="rect">
             <a:avLst/>
@@ -27547,42 +27465,6 @@
             </p:txBody>
           </p:sp>
         </p:grpSp>
-        <p:pic>
-          <p:nvPicPr>
-            <p:cNvPr id="12" name="Picture 11">
-              <a:extLst>
-                <a:ext uri="{FF2B5EF4-FFF2-40B4-BE49-F238E27FC236}">
-                  <a16:creationId xmlns:a16="http://schemas.microsoft.com/office/drawing/2014/main" id="{68CB5024-F0D6-719E-8CC7-382EC393A223}"/>
-                </a:ext>
-              </a:extLst>
-            </p:cNvPr>
-            <p:cNvPicPr>
-              <a:picLocks/>
-            </p:cNvPicPr>
-            <p:nvPr/>
-          </p:nvPicPr>
-          <p:blipFill>
-            <a:blip r:embed="rId3" cstate="print">
-              <a:extLst>
-                <a:ext uri="{28A0092B-C50C-407E-A947-70E740481C1C}">
-                  <a14:useLocalDpi xmlns:a14="http://schemas.microsoft.com/office/drawing/2010/main"/>
-                </a:ext>
-              </a:extLst>
-            </a:blip>
-            <a:stretch>
-              <a:fillRect/>
-            </a:stretch>
-          </p:blipFill>
-          <p:spPr>
-            <a:xfrm>
-              <a:off x="289236" y="895739"/>
-              <a:ext cx="492021" cy="493200"/>
-            </a:xfrm>
-            <a:prstGeom prst="rect">
-              <a:avLst/>
-            </a:prstGeom>
-          </p:spPr>
-        </p:pic>
       </p:grpSp>
       <p:grpSp>
         <p:nvGrpSpPr>
@@ -27800,42 +27682,6 @@
           </p:sp>
         </p:grpSp>
       </p:grpSp>
-      <p:pic>
-        <p:nvPicPr>
-          <p:cNvPr id="25" name="Picture 24">
-            <a:extLst>
-              <a:ext uri="{FF2B5EF4-FFF2-40B4-BE49-F238E27FC236}">
-                <a16:creationId xmlns:a16="http://schemas.microsoft.com/office/drawing/2014/main" id="{2750B180-D3B5-1292-A058-D6449E07DBD6}"/>
-              </a:ext>
-            </a:extLst>
-          </p:cNvPr>
-          <p:cNvPicPr>
-            <a:picLocks/>
-          </p:cNvPicPr>
-          <p:nvPr/>
-        </p:nvPicPr>
-        <p:blipFill>
-          <a:blip r:embed="rId4" cstate="print">
-            <a:extLst>
-              <a:ext uri="{28A0092B-C50C-407E-A947-70E740481C1C}">
-                <a14:useLocalDpi xmlns:a14="http://schemas.microsoft.com/office/drawing/2010/main"/>
-              </a:ext>
-            </a:extLst>
-          </a:blip>
-          <a:stretch>
-            <a:fillRect/>
-          </a:stretch>
-        </p:blipFill>
-        <p:spPr>
-          <a:xfrm>
-            <a:off x="3447531" y="1503835"/>
-            <a:ext cx="657600" cy="657600"/>
-          </a:xfrm>
-          <a:prstGeom prst="rect">
-            <a:avLst/>
-          </a:prstGeom>
-        </p:spPr>
-      </p:pic>
       <p:grpSp>
         <p:nvGrpSpPr>
           <p:cNvPr id="26" name="Group 25">
@@ -28064,42 +27910,6 @@
           </p:sp>
         </p:grpSp>
       </p:grpSp>
-      <p:pic>
-        <p:nvPicPr>
-          <p:cNvPr id="73" name="Picture 72">
-            <a:extLst>
-              <a:ext uri="{FF2B5EF4-FFF2-40B4-BE49-F238E27FC236}">
-                <a16:creationId xmlns:a16="http://schemas.microsoft.com/office/drawing/2014/main" id="{CBA9D738-567C-B725-3FF8-B1AAE8B9B8B2}"/>
-              </a:ext>
-            </a:extLst>
-          </p:cNvPr>
-          <p:cNvPicPr>
-            <a:picLocks/>
-          </p:cNvPicPr>
-          <p:nvPr/>
-        </p:nvPicPr>
-        <p:blipFill>
-          <a:blip r:embed="rId5" cstate="print">
-            <a:extLst>
-              <a:ext uri="{28A0092B-C50C-407E-A947-70E740481C1C}">
-                <a14:useLocalDpi xmlns:a14="http://schemas.microsoft.com/office/drawing/2010/main"/>
-              </a:ext>
-            </a:extLst>
-          </a:blip>
-          <a:stretch>
-            <a:fillRect/>
-          </a:stretch>
-        </p:blipFill>
-        <p:spPr>
-          <a:xfrm>
-            <a:off x="6395995" y="1503835"/>
-            <a:ext cx="657600" cy="657600"/>
-          </a:xfrm>
-          <a:prstGeom prst="rect">
-            <a:avLst/>
-          </a:prstGeom>
-        </p:spPr>
-      </p:pic>
       <p:grpSp>
         <p:nvGrpSpPr>
           <p:cNvPr id="74" name="Group 73">
@@ -28306,10 +28116,10 @@
       </p:grpSp>
       <p:pic>
         <p:nvPicPr>
-          <p:cNvPr id="125" name="Picture 124">
+          <p:cNvPr id="2" name="Picture 1">
             <a:extLst>
               <a:ext uri="{FF2B5EF4-FFF2-40B4-BE49-F238E27FC236}">
-                <a16:creationId xmlns:a16="http://schemas.microsoft.com/office/drawing/2014/main" id="{F8CA6DB6-F9E3-84DC-8219-A52D0BD38799}"/>
+                <a16:creationId xmlns:a16="http://schemas.microsoft.com/office/drawing/2014/main" id="{D954964F-CADE-CDE8-E55C-947F7FE49188}"/>
               </a:ext>
             </a:extLst>
           </p:cNvPr>
@@ -28319,10 +28129,10 @@
           <p:nvPr/>
         </p:nvPicPr>
         <p:blipFill>
-          <a:blip r:embed="rId6" cstate="print">
+          <a:blip r:embed="rId3">
             <a:extLst>
               <a:ext uri="{28A0092B-C50C-407E-A947-70E740481C1C}">
-                <a14:useLocalDpi xmlns:a14="http://schemas.microsoft.com/office/drawing/2010/main"/>
+                <a14:useLocalDpi xmlns:a14="http://schemas.microsoft.com/office/drawing/2010/main" val="0"/>
               </a:ext>
             </a:extLst>
           </a:blip>
@@ -28332,8 +28142,116 @@
         </p:blipFill>
         <p:spPr>
           <a:xfrm>
-            <a:off x="9353473" y="1512035"/>
-            <a:ext cx="657600" cy="657600"/>
+            <a:off x="108485" y="1362853"/>
+            <a:ext cx="576000" cy="720000"/>
+          </a:xfrm>
+          <a:prstGeom prst="rect">
+            <a:avLst/>
+          </a:prstGeom>
+        </p:spPr>
+      </p:pic>
+      <p:pic>
+        <p:nvPicPr>
+          <p:cNvPr id="3" name="Picture 2">
+            <a:extLst>
+              <a:ext uri="{FF2B5EF4-FFF2-40B4-BE49-F238E27FC236}">
+                <a16:creationId xmlns:a16="http://schemas.microsoft.com/office/drawing/2014/main" id="{B61972F9-8646-930F-4125-7E0033ADDFC3}"/>
+              </a:ext>
+            </a:extLst>
+          </p:cNvPr>
+          <p:cNvPicPr>
+            <a:picLocks/>
+          </p:cNvPicPr>
+          <p:nvPr/>
+        </p:nvPicPr>
+        <p:blipFill>
+          <a:blip r:embed="rId4" cstate="print">
+            <a:extLst>
+              <a:ext uri="{28A0092B-C50C-407E-A947-70E740481C1C}">
+                <a14:useLocalDpi xmlns:a14="http://schemas.microsoft.com/office/drawing/2010/main" val="0"/>
+              </a:ext>
+            </a:extLst>
+          </a:blip>
+          <a:stretch>
+            <a:fillRect/>
+          </a:stretch>
+        </p:blipFill>
+        <p:spPr>
+          <a:xfrm>
+            <a:off x="3403499" y="1362853"/>
+            <a:ext cx="576000" cy="720000"/>
+          </a:xfrm>
+          <a:prstGeom prst="rect">
+            <a:avLst/>
+          </a:prstGeom>
+        </p:spPr>
+      </p:pic>
+      <p:pic>
+        <p:nvPicPr>
+          <p:cNvPr id="4" name="Picture 3">
+            <a:extLst>
+              <a:ext uri="{FF2B5EF4-FFF2-40B4-BE49-F238E27FC236}">
+                <a16:creationId xmlns:a16="http://schemas.microsoft.com/office/drawing/2014/main" id="{29619A8C-15CC-35C5-35C0-BF8988B7B424}"/>
+              </a:ext>
+            </a:extLst>
+          </p:cNvPr>
+          <p:cNvPicPr>
+            <a:picLocks/>
+          </p:cNvPicPr>
+          <p:nvPr/>
+        </p:nvPicPr>
+        <p:blipFill>
+          <a:blip r:embed="rId5" cstate="print">
+            <a:extLst>
+              <a:ext uri="{28A0092B-C50C-407E-A947-70E740481C1C}">
+                <a14:useLocalDpi xmlns:a14="http://schemas.microsoft.com/office/drawing/2010/main" val="0"/>
+              </a:ext>
+            </a:extLst>
+          </a:blip>
+          <a:stretch>
+            <a:fillRect/>
+          </a:stretch>
+        </p:blipFill>
+        <p:spPr>
+          <a:xfrm>
+            <a:off x="9233411" y="1362176"/>
+            <a:ext cx="576000" cy="720000"/>
+          </a:xfrm>
+          <a:prstGeom prst="rect">
+            <a:avLst/>
+          </a:prstGeom>
+        </p:spPr>
+      </p:pic>
+      <p:pic>
+        <p:nvPicPr>
+          <p:cNvPr id="5" name="Picture 4">
+            <a:extLst>
+              <a:ext uri="{FF2B5EF4-FFF2-40B4-BE49-F238E27FC236}">
+                <a16:creationId xmlns:a16="http://schemas.microsoft.com/office/drawing/2014/main" id="{94D91AC8-9251-64B1-9B48-3AB012F772C8}"/>
+              </a:ext>
+            </a:extLst>
+          </p:cNvPr>
+          <p:cNvPicPr>
+            <a:picLocks/>
+          </p:cNvPicPr>
+          <p:nvPr/>
+        </p:nvPicPr>
+        <p:blipFill>
+          <a:blip r:embed="rId6">
+            <a:extLst>
+              <a:ext uri="{28A0092B-C50C-407E-A947-70E740481C1C}">
+                <a14:useLocalDpi xmlns:a14="http://schemas.microsoft.com/office/drawing/2010/main" val="0"/>
+              </a:ext>
+            </a:extLst>
+          </a:blip>
+          <a:stretch>
+            <a:fillRect/>
+          </a:stretch>
+        </p:blipFill>
+        <p:spPr>
+          <a:xfrm>
+            <a:off x="6289081" y="1361314"/>
+            <a:ext cx="576000" cy="720000"/>
           </a:xfrm>
           <a:prstGeom prst="rect">
             <a:avLst/>
@@ -28981,9 +28899,9 @@
         <p:grpSpPr>
           <a:xfrm>
             <a:off x="100208" y="1347742"/>
-            <a:ext cx="4162490" cy="6074948"/>
+            <a:ext cx="4038601" cy="6074948"/>
             <a:chOff x="228598" y="778669"/>
-            <a:chExt cx="3014035" cy="4556211"/>
+            <a:chExt cx="2924328" cy="4556211"/>
           </a:xfrm>
         </p:grpSpPr>
         <p:sp>
@@ -29060,10 +28978,10 @@
           </p:nvGrpSpPr>
           <p:grpSpPr>
             <a:xfrm>
-              <a:off x="289237" y="1023051"/>
-              <a:ext cx="2953396" cy="4311829"/>
-              <a:chOff x="1913269" y="2179543"/>
-              <a:chExt cx="2791351" cy="2270183"/>
+              <a:off x="289237" y="1006105"/>
+              <a:ext cx="2863689" cy="4328775"/>
+              <a:chOff x="1913269" y="2170621"/>
+              <a:chExt cx="2706566" cy="2279105"/>
             </a:xfrm>
           </p:grpSpPr>
           <p:sp>
@@ -29080,7 +28998,7 @@
             </p:nvSpPr>
             <p:spPr>
               <a:xfrm>
-                <a:off x="2360591" y="2179543"/>
+                <a:off x="2275806" y="2170621"/>
                 <a:ext cx="2344029" cy="125610"/>
               </a:xfrm>
               <a:prstGeom prst="rect">
@@ -29168,42 +29086,6 @@
             </p:txBody>
           </p:sp>
         </p:grpSp>
-        <p:pic>
-          <p:nvPicPr>
-            <p:cNvPr id="12" name="Picture 11">
-              <a:extLst>
-                <a:ext uri="{FF2B5EF4-FFF2-40B4-BE49-F238E27FC236}">
-                  <a16:creationId xmlns:a16="http://schemas.microsoft.com/office/drawing/2014/main" id="{A7C74035-ED1E-97DC-064A-18DA6BF015D1}"/>
-                </a:ext>
-              </a:extLst>
-            </p:cNvPr>
-            <p:cNvPicPr>
-              <a:picLocks/>
-            </p:cNvPicPr>
-            <p:nvPr/>
-          </p:nvPicPr>
-          <p:blipFill>
-            <a:blip r:embed="rId3" cstate="print">
-              <a:extLst>
-                <a:ext uri="{28A0092B-C50C-407E-A947-70E740481C1C}">
-                  <a14:useLocalDpi xmlns:a14="http://schemas.microsoft.com/office/drawing/2010/main"/>
-                </a:ext>
-              </a:extLst>
-            </a:blip>
-            <a:stretch>
-              <a:fillRect/>
-            </a:stretch>
-          </p:blipFill>
-          <p:spPr>
-            <a:xfrm>
-              <a:off x="289236" y="895739"/>
-              <a:ext cx="492021" cy="493200"/>
-            </a:xfrm>
-            <a:prstGeom prst="rect">
-              <a:avLst/>
-            </a:prstGeom>
-          </p:spPr>
-        </p:pic>
       </p:grpSp>
       <p:grpSp>
         <p:nvGrpSpPr>
@@ -29408,42 +29290,6 @@
           </p:sp>
         </p:grpSp>
       </p:grpSp>
-      <p:pic>
-        <p:nvPicPr>
-          <p:cNvPr id="25" name="Picture 24">
-            <a:extLst>
-              <a:ext uri="{FF2B5EF4-FFF2-40B4-BE49-F238E27FC236}">
-                <a16:creationId xmlns:a16="http://schemas.microsoft.com/office/drawing/2014/main" id="{FF1D7234-CACF-519D-90F1-1C8F8A681B7B}"/>
-              </a:ext>
-            </a:extLst>
-          </p:cNvPr>
-          <p:cNvPicPr>
-            <a:picLocks/>
-          </p:cNvPicPr>
-          <p:nvPr/>
-        </p:nvPicPr>
-        <p:blipFill>
-          <a:blip r:embed="rId4" cstate="print">
-            <a:extLst>
-              <a:ext uri="{28A0092B-C50C-407E-A947-70E740481C1C}">
-                <a14:useLocalDpi xmlns:a14="http://schemas.microsoft.com/office/drawing/2010/main"/>
-              </a:ext>
-            </a:extLst>
-          </a:blip>
-          <a:stretch>
-            <a:fillRect/>
-          </a:stretch>
-        </p:blipFill>
-        <p:spPr>
-          <a:xfrm>
-            <a:off x="3447531" y="1503835"/>
-            <a:ext cx="657600" cy="657600"/>
-          </a:xfrm>
-          <a:prstGeom prst="rect">
-            <a:avLst/>
-          </a:prstGeom>
-        </p:spPr>
-      </p:pic>
       <p:grpSp>
         <p:nvGrpSpPr>
           <p:cNvPr id="26" name="Group 25">
@@ -29659,42 +29505,6 @@
           </p:sp>
         </p:grpSp>
       </p:grpSp>
-      <p:pic>
-        <p:nvPicPr>
-          <p:cNvPr id="73" name="Picture 72">
-            <a:extLst>
-              <a:ext uri="{FF2B5EF4-FFF2-40B4-BE49-F238E27FC236}">
-                <a16:creationId xmlns:a16="http://schemas.microsoft.com/office/drawing/2014/main" id="{BB0CD026-6B22-6F6F-43EF-5DDE863A493F}"/>
-              </a:ext>
-            </a:extLst>
-          </p:cNvPr>
-          <p:cNvPicPr>
-            <a:picLocks/>
-          </p:cNvPicPr>
-          <p:nvPr/>
-        </p:nvPicPr>
-        <p:blipFill>
-          <a:blip r:embed="rId5" cstate="print">
-            <a:extLst>
-              <a:ext uri="{28A0092B-C50C-407E-A947-70E740481C1C}">
-                <a14:useLocalDpi xmlns:a14="http://schemas.microsoft.com/office/drawing/2010/main"/>
-              </a:ext>
-            </a:extLst>
-          </a:blip>
-          <a:stretch>
-            <a:fillRect/>
-          </a:stretch>
-        </p:blipFill>
-        <p:spPr>
-          <a:xfrm>
-            <a:off x="6395995" y="1503835"/>
-            <a:ext cx="657600" cy="657600"/>
-          </a:xfrm>
-          <a:prstGeom prst="rect">
-            <a:avLst/>
-          </a:prstGeom>
-        </p:spPr>
-      </p:pic>
       <p:grpSp>
         <p:nvGrpSpPr>
           <p:cNvPr id="74" name="Group 73">
@@ -29912,10 +29722,10 @@
       </p:grpSp>
       <p:pic>
         <p:nvPicPr>
-          <p:cNvPr id="125" name="Picture 124">
+          <p:cNvPr id="2" name="Picture 1">
             <a:extLst>
               <a:ext uri="{FF2B5EF4-FFF2-40B4-BE49-F238E27FC236}">
-                <a16:creationId xmlns:a16="http://schemas.microsoft.com/office/drawing/2014/main" id="{443A247E-3C50-0F85-3DEA-180CFEF42032}"/>
+                <a16:creationId xmlns:a16="http://schemas.microsoft.com/office/drawing/2014/main" id="{0CB6FEDC-99BB-5F2F-0A9C-3DDB8732260F}"/>
               </a:ext>
             </a:extLst>
           </p:cNvPr>
@@ -29925,10 +29735,10 @@
           <p:nvPr/>
         </p:nvPicPr>
         <p:blipFill>
-          <a:blip r:embed="rId6" cstate="print">
+          <a:blip r:embed="rId3">
             <a:extLst>
               <a:ext uri="{28A0092B-C50C-407E-A947-70E740481C1C}">
-                <a14:useLocalDpi xmlns:a14="http://schemas.microsoft.com/office/drawing/2010/main"/>
+                <a14:useLocalDpi xmlns:a14="http://schemas.microsoft.com/office/drawing/2010/main" val="0"/>
               </a:ext>
             </a:extLst>
           </a:blip>
@@ -29938,8 +29748,116 @@
         </p:blipFill>
         <p:spPr>
           <a:xfrm>
-            <a:off x="9353473" y="1512035"/>
-            <a:ext cx="657600" cy="657600"/>
+            <a:off x="108485" y="1362853"/>
+            <a:ext cx="576000" cy="720000"/>
+          </a:xfrm>
+          <a:prstGeom prst="rect">
+            <a:avLst/>
+          </a:prstGeom>
+        </p:spPr>
+      </p:pic>
+      <p:pic>
+        <p:nvPicPr>
+          <p:cNvPr id="3" name="Picture 2">
+            <a:extLst>
+              <a:ext uri="{FF2B5EF4-FFF2-40B4-BE49-F238E27FC236}">
+                <a16:creationId xmlns:a16="http://schemas.microsoft.com/office/drawing/2014/main" id="{D6757624-356D-7B9D-AF79-DEC5270833A9}"/>
+              </a:ext>
+            </a:extLst>
+          </p:cNvPr>
+          <p:cNvPicPr>
+            <a:picLocks/>
+          </p:cNvPicPr>
+          <p:nvPr/>
+        </p:nvPicPr>
+        <p:blipFill>
+          <a:blip r:embed="rId4" cstate="print">
+            <a:extLst>
+              <a:ext uri="{28A0092B-C50C-407E-A947-70E740481C1C}">
+                <a14:useLocalDpi xmlns:a14="http://schemas.microsoft.com/office/drawing/2010/main" val="0"/>
+              </a:ext>
+            </a:extLst>
+          </a:blip>
+          <a:stretch>
+            <a:fillRect/>
+          </a:stretch>
+        </p:blipFill>
+        <p:spPr>
+          <a:xfrm>
+            <a:off x="3403499" y="1362853"/>
+            <a:ext cx="576000" cy="720000"/>
+          </a:xfrm>
+          <a:prstGeom prst="rect">
+            <a:avLst/>
+          </a:prstGeom>
+        </p:spPr>
+      </p:pic>
+      <p:pic>
+        <p:nvPicPr>
+          <p:cNvPr id="4" name="Picture 3">
+            <a:extLst>
+              <a:ext uri="{FF2B5EF4-FFF2-40B4-BE49-F238E27FC236}">
+                <a16:creationId xmlns:a16="http://schemas.microsoft.com/office/drawing/2014/main" id="{D9D5C380-2143-5C4C-9C7E-5B5D9EA97859}"/>
+              </a:ext>
+            </a:extLst>
+          </p:cNvPr>
+          <p:cNvPicPr>
+            <a:picLocks/>
+          </p:cNvPicPr>
+          <p:nvPr/>
+        </p:nvPicPr>
+        <p:blipFill>
+          <a:blip r:embed="rId5" cstate="print">
+            <a:extLst>
+              <a:ext uri="{28A0092B-C50C-407E-A947-70E740481C1C}">
+                <a14:useLocalDpi xmlns:a14="http://schemas.microsoft.com/office/drawing/2010/main" val="0"/>
+              </a:ext>
+            </a:extLst>
+          </a:blip>
+          <a:stretch>
+            <a:fillRect/>
+          </a:stretch>
+        </p:blipFill>
+        <p:spPr>
+          <a:xfrm>
+            <a:off x="9233411" y="1362176"/>
+            <a:ext cx="576000" cy="720000"/>
+          </a:xfrm>
+          <a:prstGeom prst="rect">
+            <a:avLst/>
+          </a:prstGeom>
+        </p:spPr>
+      </p:pic>
+      <p:pic>
+        <p:nvPicPr>
+          <p:cNvPr id="5" name="Picture 4">
+            <a:extLst>
+              <a:ext uri="{FF2B5EF4-FFF2-40B4-BE49-F238E27FC236}">
+                <a16:creationId xmlns:a16="http://schemas.microsoft.com/office/drawing/2014/main" id="{A9F7E1BA-1EED-4298-CC3D-83B9204E1D47}"/>
+              </a:ext>
+            </a:extLst>
+          </p:cNvPr>
+          <p:cNvPicPr>
+            <a:picLocks/>
+          </p:cNvPicPr>
+          <p:nvPr/>
+        </p:nvPicPr>
+        <p:blipFill>
+          <a:blip r:embed="rId6">
+            <a:extLst>
+              <a:ext uri="{28A0092B-C50C-407E-A947-70E740481C1C}">
+                <a14:useLocalDpi xmlns:a14="http://schemas.microsoft.com/office/drawing/2010/main" val="0"/>
+              </a:ext>
+            </a:extLst>
+          </a:blip>
+          <a:stretch>
+            <a:fillRect/>
+          </a:stretch>
+        </p:blipFill>
+        <p:spPr>
+          <a:xfrm>
+            <a:off x="6289081" y="1361314"/>
+            <a:ext cx="576000" cy="720000"/>
           </a:xfrm>
           <a:prstGeom prst="rect">
             <a:avLst/>
@@ -30585,9 +30503,9 @@
         <p:grpSpPr>
           <a:xfrm>
             <a:off x="112734" y="1347741"/>
-            <a:ext cx="3539090" cy="5095875"/>
+            <a:ext cx="3362136" cy="5095875"/>
             <a:chOff x="228598" y="778669"/>
-            <a:chExt cx="2610594" cy="3821906"/>
+            <a:chExt cx="2480065" cy="3821906"/>
           </a:xfrm>
         </p:grpSpPr>
         <p:sp>
@@ -30664,10 +30582,10 @@
           </p:nvGrpSpPr>
           <p:grpSpPr>
             <a:xfrm>
-              <a:off x="289237" y="1015858"/>
-              <a:ext cx="2549955" cy="3026073"/>
-              <a:chOff x="1913269" y="2175755"/>
-              <a:chExt cx="2410046" cy="1593231"/>
+              <a:off x="289237" y="992542"/>
+              <a:ext cx="2419426" cy="3049389"/>
+              <a:chOff x="1913269" y="2163479"/>
+              <a:chExt cx="2286679" cy="1605507"/>
             </a:xfrm>
           </p:grpSpPr>
           <p:sp>
@@ -30684,7 +30602,7 @@
             </p:nvSpPr>
             <p:spPr>
               <a:xfrm>
-                <a:off x="2409116" y="2175755"/>
+                <a:off x="2285749" y="2163479"/>
                 <a:ext cx="1914199" cy="125610"/>
               </a:xfrm>
               <a:prstGeom prst="rect">
@@ -30761,42 +30679,6 @@
             </p:txBody>
           </p:sp>
         </p:grpSp>
-        <p:pic>
-          <p:nvPicPr>
-            <p:cNvPr id="12" name="Picture 11">
-              <a:extLst>
-                <a:ext uri="{FF2B5EF4-FFF2-40B4-BE49-F238E27FC236}">
-                  <a16:creationId xmlns:a16="http://schemas.microsoft.com/office/drawing/2014/main" id="{DC1BE22B-BCA7-A51B-791D-1C46E1188D40}"/>
-                </a:ext>
-              </a:extLst>
-            </p:cNvPr>
-            <p:cNvPicPr>
-              <a:picLocks/>
-            </p:cNvPicPr>
-            <p:nvPr/>
-          </p:nvPicPr>
-          <p:blipFill>
-            <a:blip r:embed="rId3" cstate="print">
-              <a:extLst>
-                <a:ext uri="{28A0092B-C50C-407E-A947-70E740481C1C}">
-                  <a14:useLocalDpi xmlns:a14="http://schemas.microsoft.com/office/drawing/2010/main"/>
-                </a:ext>
-              </a:extLst>
-            </a:blip>
-            <a:stretch>
-              <a:fillRect/>
-            </a:stretch>
-          </p:blipFill>
-          <p:spPr>
-            <a:xfrm>
-              <a:off x="289236" y="895739"/>
-              <a:ext cx="492021" cy="493200"/>
-            </a:xfrm>
-            <a:prstGeom prst="rect">
-              <a:avLst/>
-            </a:prstGeom>
-          </p:spPr>
-        </p:pic>
       </p:grpSp>
       <p:grpSp>
         <p:nvGrpSpPr>
@@ -30892,10 +30774,10 @@
           </p:nvGrpSpPr>
           <p:grpSpPr>
             <a:xfrm>
-              <a:off x="300485" y="996690"/>
-              <a:ext cx="2162102" cy="1967779"/>
-              <a:chOff x="1923900" y="2165664"/>
-              <a:chExt cx="2043473" cy="1036038"/>
+              <a:off x="300485" y="1014486"/>
+              <a:ext cx="2162102" cy="1949982"/>
+              <a:chOff x="1923900" y="2175034"/>
+              <a:chExt cx="2043473" cy="1026668"/>
             </a:xfrm>
           </p:grpSpPr>
           <p:sp>
@@ -30912,7 +30794,7 @@
             </p:nvSpPr>
             <p:spPr>
               <a:xfrm>
-                <a:off x="2465148" y="2165664"/>
+                <a:off x="2365346" y="2175034"/>
                 <a:ext cx="1288048" cy="127053"/>
               </a:xfrm>
               <a:prstGeom prst="rect">
@@ -30927,7 +30809,7 @@
               <a:lstStyle/>
               <a:p>
                 <a:r>
-                  <a:rPr lang="en-US" sz="2091" b="1">
+                  <a:rPr lang="en-US" sz="2091" b="1" dirty="0">
                     <a:solidFill>
                       <a:srgbClr val="00B0F0"/>
                     </a:solidFill>
@@ -30936,7 +30818,7 @@
                   </a:rPr>
                   <a:t>Challenges</a:t>
                 </a:r>
-                <a:endParaRPr lang="id-ID" sz="2091" b="1">
+                <a:endParaRPr lang="id-ID" sz="2091" b="1" dirty="0">
                   <a:solidFill>
                     <a:srgbClr val="00B0F0"/>
                   </a:solidFill>
@@ -31013,42 +30895,6 @@
           </p:sp>
         </p:grpSp>
       </p:grpSp>
-      <p:pic>
-        <p:nvPicPr>
-          <p:cNvPr id="25" name="Picture 24">
-            <a:extLst>
-              <a:ext uri="{FF2B5EF4-FFF2-40B4-BE49-F238E27FC236}">
-                <a16:creationId xmlns:a16="http://schemas.microsoft.com/office/drawing/2014/main" id="{AC96A51F-AC52-429D-6501-D5A87392CAD6}"/>
-              </a:ext>
-            </a:extLst>
-          </p:cNvPr>
-          <p:cNvPicPr>
-            <a:picLocks/>
-          </p:cNvPicPr>
-          <p:nvPr/>
-        </p:nvPicPr>
-        <p:blipFill>
-          <a:blip r:embed="rId4" cstate="print">
-            <a:extLst>
-              <a:ext uri="{28A0092B-C50C-407E-A947-70E740481C1C}">
-                <a14:useLocalDpi xmlns:a14="http://schemas.microsoft.com/office/drawing/2010/main"/>
-              </a:ext>
-            </a:extLst>
-          </a:blip>
-          <a:stretch>
-            <a:fillRect/>
-          </a:stretch>
-        </p:blipFill>
-        <p:spPr>
-          <a:xfrm>
-            <a:off x="3447531" y="1503835"/>
-            <a:ext cx="657600" cy="657600"/>
-          </a:xfrm>
-          <a:prstGeom prst="rect">
-            <a:avLst/>
-          </a:prstGeom>
-        </p:spPr>
-      </p:pic>
       <p:grpSp>
         <p:nvGrpSpPr>
           <p:cNvPr id="26" name="Group 25">
@@ -31143,10 +30989,10 @@
           </p:nvGrpSpPr>
           <p:grpSpPr>
             <a:xfrm>
-              <a:off x="228597" y="980175"/>
-              <a:ext cx="2233989" cy="2199791"/>
-              <a:chOff x="1855957" y="2156967"/>
-              <a:chExt cx="2111416" cy="1158192"/>
+              <a:off x="228597" y="979352"/>
+              <a:ext cx="2233989" cy="2200613"/>
+              <a:chOff x="1855957" y="2156534"/>
+              <a:chExt cx="2111416" cy="1158625"/>
             </a:xfrm>
           </p:grpSpPr>
           <p:sp>
@@ -31163,7 +31009,7 @@
             </p:nvSpPr>
             <p:spPr>
               <a:xfrm>
-                <a:off x="2523014" y="2156967"/>
+                <a:off x="2341569" y="2156534"/>
                 <a:ext cx="1288048" cy="127053"/>
               </a:xfrm>
               <a:prstGeom prst="rect">
@@ -31261,42 +31107,6 @@
           </p:sp>
         </p:grpSp>
       </p:grpSp>
-      <p:pic>
-        <p:nvPicPr>
-          <p:cNvPr id="73" name="Picture 72">
-            <a:extLst>
-              <a:ext uri="{FF2B5EF4-FFF2-40B4-BE49-F238E27FC236}">
-                <a16:creationId xmlns:a16="http://schemas.microsoft.com/office/drawing/2014/main" id="{9A8EC021-A16D-205F-B21A-EEC3CFF62829}"/>
-              </a:ext>
-            </a:extLst>
-          </p:cNvPr>
-          <p:cNvPicPr>
-            <a:picLocks/>
-          </p:cNvPicPr>
-          <p:nvPr/>
-        </p:nvPicPr>
-        <p:blipFill>
-          <a:blip r:embed="rId5" cstate="print">
-            <a:extLst>
-              <a:ext uri="{28A0092B-C50C-407E-A947-70E740481C1C}">
-                <a14:useLocalDpi xmlns:a14="http://schemas.microsoft.com/office/drawing/2010/main"/>
-              </a:ext>
-            </a:extLst>
-          </a:blip>
-          <a:stretch>
-            <a:fillRect/>
-          </a:stretch>
-        </p:blipFill>
-        <p:spPr>
-          <a:xfrm>
-            <a:off x="6395995" y="1503835"/>
-            <a:ext cx="657600" cy="657600"/>
-          </a:xfrm>
-          <a:prstGeom prst="rect">
-            <a:avLst/>
-          </a:prstGeom>
-        </p:spPr>
-      </p:pic>
       <p:grpSp>
         <p:nvGrpSpPr>
           <p:cNvPr id="74" name="Group 73">
@@ -31391,10 +31201,10 @@
           </p:nvGrpSpPr>
           <p:grpSpPr>
             <a:xfrm>
-              <a:off x="300485" y="982123"/>
-              <a:ext cx="2162102" cy="1335876"/>
-              <a:chOff x="1923900" y="2157992"/>
-              <a:chExt cx="2043473" cy="703340"/>
+              <a:off x="300485" y="989802"/>
+              <a:ext cx="2162102" cy="1328197"/>
+              <a:chOff x="1923900" y="2162035"/>
+              <a:chExt cx="2043473" cy="699297"/>
             </a:xfrm>
           </p:grpSpPr>
           <p:sp>
@@ -31411,7 +31221,7 @@
             </p:nvSpPr>
             <p:spPr>
               <a:xfrm>
-                <a:off x="2461971" y="2157992"/>
+                <a:off x="2430622" y="2162035"/>
                 <a:ext cx="1288048" cy="127053"/>
               </a:xfrm>
               <a:prstGeom prst="rect">
@@ -31496,10 +31306,10 @@
       </p:grpSp>
       <p:pic>
         <p:nvPicPr>
-          <p:cNvPr id="125" name="Picture 124">
+          <p:cNvPr id="2" name="Picture 1">
             <a:extLst>
               <a:ext uri="{FF2B5EF4-FFF2-40B4-BE49-F238E27FC236}">
-                <a16:creationId xmlns:a16="http://schemas.microsoft.com/office/drawing/2014/main" id="{5A4B95B1-ECA8-28BF-DBB4-4C9901AE0D22}"/>
+                <a16:creationId xmlns:a16="http://schemas.microsoft.com/office/drawing/2014/main" id="{46B145EE-7874-52BB-846D-BA6504F08566}"/>
               </a:ext>
             </a:extLst>
           </p:cNvPr>
@@ -31509,10 +31319,10 @@
           <p:nvPr/>
         </p:nvPicPr>
         <p:blipFill>
-          <a:blip r:embed="rId6" cstate="print">
+          <a:blip r:embed="rId3">
             <a:extLst>
               <a:ext uri="{28A0092B-C50C-407E-A947-70E740481C1C}">
-                <a14:useLocalDpi xmlns:a14="http://schemas.microsoft.com/office/drawing/2010/main"/>
+                <a14:useLocalDpi xmlns:a14="http://schemas.microsoft.com/office/drawing/2010/main" val="0"/>
               </a:ext>
             </a:extLst>
           </a:blip>
@@ -31522,8 +31332,116 @@
         </p:blipFill>
         <p:spPr>
           <a:xfrm>
-            <a:off x="9353473" y="1512035"/>
-            <a:ext cx="657600" cy="657600"/>
+            <a:off x="108485" y="1362853"/>
+            <a:ext cx="576000" cy="720000"/>
+          </a:xfrm>
+          <a:prstGeom prst="rect">
+            <a:avLst/>
+          </a:prstGeom>
+        </p:spPr>
+      </p:pic>
+      <p:pic>
+        <p:nvPicPr>
+          <p:cNvPr id="3" name="Picture 2">
+            <a:extLst>
+              <a:ext uri="{FF2B5EF4-FFF2-40B4-BE49-F238E27FC236}">
+                <a16:creationId xmlns:a16="http://schemas.microsoft.com/office/drawing/2014/main" id="{33091BE2-53EF-F894-8B33-4EE6E5B50D27}"/>
+              </a:ext>
+            </a:extLst>
+          </p:cNvPr>
+          <p:cNvPicPr>
+            <a:picLocks/>
+          </p:cNvPicPr>
+          <p:nvPr/>
+        </p:nvPicPr>
+        <p:blipFill>
+          <a:blip r:embed="rId4" cstate="print">
+            <a:extLst>
+              <a:ext uri="{28A0092B-C50C-407E-A947-70E740481C1C}">
+                <a14:useLocalDpi xmlns:a14="http://schemas.microsoft.com/office/drawing/2010/main" val="0"/>
+              </a:ext>
+            </a:extLst>
+          </a:blip>
+          <a:stretch>
+            <a:fillRect/>
+          </a:stretch>
+        </p:blipFill>
+        <p:spPr>
+          <a:xfrm>
+            <a:off x="3403499" y="1362853"/>
+            <a:ext cx="576000" cy="720000"/>
+          </a:xfrm>
+          <a:prstGeom prst="rect">
+            <a:avLst/>
+          </a:prstGeom>
+        </p:spPr>
+      </p:pic>
+      <p:pic>
+        <p:nvPicPr>
+          <p:cNvPr id="4" name="Picture 3">
+            <a:extLst>
+              <a:ext uri="{FF2B5EF4-FFF2-40B4-BE49-F238E27FC236}">
+                <a16:creationId xmlns:a16="http://schemas.microsoft.com/office/drawing/2014/main" id="{2FA75179-8AAA-0A5F-45CC-789C961F0451}"/>
+              </a:ext>
+            </a:extLst>
+          </p:cNvPr>
+          <p:cNvPicPr>
+            <a:picLocks/>
+          </p:cNvPicPr>
+          <p:nvPr/>
+        </p:nvPicPr>
+        <p:blipFill>
+          <a:blip r:embed="rId5" cstate="print">
+            <a:extLst>
+              <a:ext uri="{28A0092B-C50C-407E-A947-70E740481C1C}">
+                <a14:useLocalDpi xmlns:a14="http://schemas.microsoft.com/office/drawing/2010/main" val="0"/>
+              </a:ext>
+            </a:extLst>
+          </a:blip>
+          <a:stretch>
+            <a:fillRect/>
+          </a:stretch>
+        </p:blipFill>
+        <p:spPr>
+          <a:xfrm>
+            <a:off x="9233411" y="1362176"/>
+            <a:ext cx="576000" cy="720000"/>
+          </a:xfrm>
+          <a:prstGeom prst="rect">
+            <a:avLst/>
+          </a:prstGeom>
+        </p:spPr>
+      </p:pic>
+      <p:pic>
+        <p:nvPicPr>
+          <p:cNvPr id="5" name="Picture 4">
+            <a:extLst>
+              <a:ext uri="{FF2B5EF4-FFF2-40B4-BE49-F238E27FC236}">
+                <a16:creationId xmlns:a16="http://schemas.microsoft.com/office/drawing/2014/main" id="{8204A89A-C8DF-FE60-9443-8D66D504C1DE}"/>
+              </a:ext>
+            </a:extLst>
+          </p:cNvPr>
+          <p:cNvPicPr>
+            <a:picLocks/>
+          </p:cNvPicPr>
+          <p:nvPr/>
+        </p:nvPicPr>
+        <p:blipFill>
+          <a:blip r:embed="rId6">
+            <a:extLst>
+              <a:ext uri="{28A0092B-C50C-407E-A947-70E740481C1C}">
+                <a14:useLocalDpi xmlns:a14="http://schemas.microsoft.com/office/drawing/2010/main" val="0"/>
+              </a:ext>
+            </a:extLst>
+          </a:blip>
+          <a:stretch>
+            <a:fillRect/>
+          </a:stretch>
+        </p:blipFill>
+        <p:spPr>
+          <a:xfrm>
+            <a:off x="6289081" y="1361314"/>
+            <a:ext cx="576000" cy="720000"/>
           </a:xfrm>
           <a:prstGeom prst="rect">
             <a:avLst/>
@@ -33080,7 +32998,13 @@
       </p:sp>
       <p:pic>
         <p:nvPicPr>
-          <p:cNvPr id="46" name="Picture 45"/>
+          <p:cNvPr id="2" name="Picture 1">
+            <a:extLst>
+              <a:ext uri="{FF2B5EF4-FFF2-40B4-BE49-F238E27FC236}">
+                <a16:creationId xmlns:a16="http://schemas.microsoft.com/office/drawing/2014/main" id="{4A0C35BD-9060-1896-7806-F0AE6F2852DB}"/>
+              </a:ext>
+            </a:extLst>
+          </p:cNvPr>
           <p:cNvPicPr>
             <a:picLocks/>
           </p:cNvPicPr>
@@ -33110,7 +33034,13 @@
       </p:pic>
       <p:pic>
         <p:nvPicPr>
-          <p:cNvPr id="47" name="Picture 46"/>
+          <p:cNvPr id="3" name="Picture 2">
+            <a:extLst>
+              <a:ext uri="{FF2B5EF4-FFF2-40B4-BE49-F238E27FC236}">
+                <a16:creationId xmlns:a16="http://schemas.microsoft.com/office/drawing/2014/main" id="{8488ACDD-DB64-8A94-6792-544CE1F27DCC}"/>
+              </a:ext>
+            </a:extLst>
+          </p:cNvPr>
           <p:cNvPicPr>
             <a:picLocks/>
           </p:cNvPicPr>
@@ -33140,7 +33070,13 @@
       </p:pic>
       <p:pic>
         <p:nvPicPr>
-          <p:cNvPr id="48" name="Picture 47"/>
+          <p:cNvPr id="4" name="Picture 3">
+            <a:extLst>
+              <a:ext uri="{FF2B5EF4-FFF2-40B4-BE49-F238E27FC236}">
+                <a16:creationId xmlns:a16="http://schemas.microsoft.com/office/drawing/2014/main" id="{AC1C6BB4-3699-A8CD-5750-4D4AEB09984B}"/>
+              </a:ext>
+            </a:extLst>
+          </p:cNvPr>
           <p:cNvPicPr>
             <a:picLocks/>
           </p:cNvPicPr>
@@ -33170,7 +33106,13 @@
       </p:pic>
       <p:pic>
         <p:nvPicPr>
-          <p:cNvPr id="49" name="Picture 48"/>
+          <p:cNvPr id="5" name="Picture 4">
+            <a:extLst>
+              <a:ext uri="{FF2B5EF4-FFF2-40B4-BE49-F238E27FC236}">
+                <a16:creationId xmlns:a16="http://schemas.microsoft.com/office/drawing/2014/main" id="{6C7DE093-A7B5-8070-E0F1-7C0BD5A9CCDB}"/>
+              </a:ext>
+            </a:extLst>
+          </p:cNvPr>
           <p:cNvPicPr>
             <a:picLocks/>
           </p:cNvPicPr>
@@ -33200,7 +33142,13 @@
       </p:pic>
       <p:pic>
         <p:nvPicPr>
-          <p:cNvPr id="51" name="Picture 50"/>
+          <p:cNvPr id="6" name="Picture 5">
+            <a:extLst>
+              <a:ext uri="{FF2B5EF4-FFF2-40B4-BE49-F238E27FC236}">
+                <a16:creationId xmlns:a16="http://schemas.microsoft.com/office/drawing/2014/main" id="{95CCCAF5-5EE1-7879-8C06-50BD9A9EB81F}"/>
+              </a:ext>
+            </a:extLst>
+          </p:cNvPr>
           <p:cNvPicPr>
             <a:picLocks/>
           </p:cNvPicPr>
@@ -34405,7 +34353,13 @@
       </p:sp>
       <p:pic>
         <p:nvPicPr>
-          <p:cNvPr id="46" name="Picture 45"/>
+          <p:cNvPr id="2" name="Picture 1">
+            <a:extLst>
+              <a:ext uri="{FF2B5EF4-FFF2-40B4-BE49-F238E27FC236}">
+                <a16:creationId xmlns:a16="http://schemas.microsoft.com/office/drawing/2014/main" id="{05E4526D-2094-6346-A26D-A043C6F78235}"/>
+              </a:ext>
+            </a:extLst>
+          </p:cNvPr>
           <p:cNvPicPr>
             <a:picLocks/>
           </p:cNvPicPr>
@@ -34435,7 +34389,13 @@
       </p:pic>
       <p:pic>
         <p:nvPicPr>
-          <p:cNvPr id="47" name="Picture 46"/>
+          <p:cNvPr id="3" name="Picture 2">
+            <a:extLst>
+              <a:ext uri="{FF2B5EF4-FFF2-40B4-BE49-F238E27FC236}">
+                <a16:creationId xmlns:a16="http://schemas.microsoft.com/office/drawing/2014/main" id="{40A9AEFD-9D8C-E174-6CA0-19D0A8490B7D}"/>
+              </a:ext>
+            </a:extLst>
+          </p:cNvPr>
           <p:cNvPicPr>
             <a:picLocks/>
           </p:cNvPicPr>
@@ -34465,7 +34425,13 @@
       </p:pic>
       <p:pic>
         <p:nvPicPr>
-          <p:cNvPr id="48" name="Picture 47"/>
+          <p:cNvPr id="4" name="Picture 3">
+            <a:extLst>
+              <a:ext uri="{FF2B5EF4-FFF2-40B4-BE49-F238E27FC236}">
+                <a16:creationId xmlns:a16="http://schemas.microsoft.com/office/drawing/2014/main" id="{4D65DEE3-B0E8-4FBE-B3A5-A2801C575A9A}"/>
+              </a:ext>
+            </a:extLst>
+          </p:cNvPr>
           <p:cNvPicPr>
             <a:picLocks/>
           </p:cNvPicPr>
@@ -34495,7 +34461,13 @@
       </p:pic>
       <p:pic>
         <p:nvPicPr>
-          <p:cNvPr id="49" name="Picture 48"/>
+          <p:cNvPr id="5" name="Picture 4">
+            <a:extLst>
+              <a:ext uri="{FF2B5EF4-FFF2-40B4-BE49-F238E27FC236}">
+                <a16:creationId xmlns:a16="http://schemas.microsoft.com/office/drawing/2014/main" id="{0A922153-4AE7-4FBB-7812-BF0E56716894}"/>
+              </a:ext>
+            </a:extLst>
+          </p:cNvPr>
           <p:cNvPicPr>
             <a:picLocks/>
           </p:cNvPicPr>
@@ -34525,7 +34497,13 @@
       </p:pic>
       <p:pic>
         <p:nvPicPr>
-          <p:cNvPr id="51" name="Picture 50"/>
+          <p:cNvPr id="6" name="Picture 5">
+            <a:extLst>
+              <a:ext uri="{FF2B5EF4-FFF2-40B4-BE49-F238E27FC236}">
+                <a16:creationId xmlns:a16="http://schemas.microsoft.com/office/drawing/2014/main" id="{F2379D78-0B9D-B6CB-E287-A98767DC5899}"/>
+              </a:ext>
+            </a:extLst>
+          </p:cNvPr>
           <p:cNvPicPr>
             <a:picLocks/>
           </p:cNvPicPr>
@@ -35798,10 +35776,10 @@
       </p:sp>
       <p:pic>
         <p:nvPicPr>
-          <p:cNvPr id="46" name="Picture 45">
+          <p:cNvPr id="2" name="Picture 1">
             <a:extLst>
               <a:ext uri="{FF2B5EF4-FFF2-40B4-BE49-F238E27FC236}">
-                <a16:creationId xmlns:a16="http://schemas.microsoft.com/office/drawing/2014/main" id="{68157A5C-0FD9-2131-500A-A79717FD9DFF}"/>
+                <a16:creationId xmlns:a16="http://schemas.microsoft.com/office/drawing/2014/main" id="{059C1B19-73CF-FD4E-9B94-B3EE6E283D2F}"/>
               </a:ext>
             </a:extLst>
           </p:cNvPr>
@@ -35834,10 +35812,10 @@
       </p:pic>
       <p:pic>
         <p:nvPicPr>
-          <p:cNvPr id="47" name="Picture 46">
+          <p:cNvPr id="3" name="Picture 2">
             <a:extLst>
               <a:ext uri="{FF2B5EF4-FFF2-40B4-BE49-F238E27FC236}">
-                <a16:creationId xmlns:a16="http://schemas.microsoft.com/office/drawing/2014/main" id="{EDA1B36B-D287-75B9-5A8B-05F3870AEFC6}"/>
+                <a16:creationId xmlns:a16="http://schemas.microsoft.com/office/drawing/2014/main" id="{4E42CBA3-C7FC-68E5-E16C-6CFC5AD1CAF1}"/>
               </a:ext>
             </a:extLst>
           </p:cNvPr>
@@ -35870,10 +35848,10 @@
       </p:pic>
       <p:pic>
         <p:nvPicPr>
-          <p:cNvPr id="48" name="Picture 47">
+          <p:cNvPr id="4" name="Picture 3">
             <a:extLst>
               <a:ext uri="{FF2B5EF4-FFF2-40B4-BE49-F238E27FC236}">
-                <a16:creationId xmlns:a16="http://schemas.microsoft.com/office/drawing/2014/main" id="{B6F6CEFD-1B0B-8A4C-D41F-1669CE2E55C3}"/>
+                <a16:creationId xmlns:a16="http://schemas.microsoft.com/office/drawing/2014/main" id="{08DD0B98-A2EB-BECF-45FE-FEF4CEA7F596}"/>
               </a:ext>
             </a:extLst>
           </p:cNvPr>
@@ -35906,10 +35884,10 @@
       </p:pic>
       <p:pic>
         <p:nvPicPr>
-          <p:cNvPr id="49" name="Picture 48">
+          <p:cNvPr id="5" name="Picture 4">
             <a:extLst>
               <a:ext uri="{FF2B5EF4-FFF2-40B4-BE49-F238E27FC236}">
-                <a16:creationId xmlns:a16="http://schemas.microsoft.com/office/drawing/2014/main" id="{F1A46732-F696-361A-3D21-DAC3A39CB8A4}"/>
+                <a16:creationId xmlns:a16="http://schemas.microsoft.com/office/drawing/2014/main" id="{E2A68C74-2F47-2713-F70D-A3410529FF6A}"/>
               </a:ext>
             </a:extLst>
           </p:cNvPr>
@@ -35942,10 +35920,10 @@
       </p:pic>
       <p:pic>
         <p:nvPicPr>
-          <p:cNvPr id="51" name="Picture 50">
+          <p:cNvPr id="6" name="Picture 5">
             <a:extLst>
               <a:ext uri="{FF2B5EF4-FFF2-40B4-BE49-F238E27FC236}">
-                <a16:creationId xmlns:a16="http://schemas.microsoft.com/office/drawing/2014/main" id="{DC0A4ED2-A20A-E4EA-42A5-367096F9C801}"/>
+                <a16:creationId xmlns:a16="http://schemas.microsoft.com/office/drawing/2014/main" id="{C535AA96-7E71-E6E2-28C6-71DA2F7F9688}"/>
               </a:ext>
             </a:extLst>
           </p:cNvPr>
@@ -37190,10 +37168,10 @@
       </p:sp>
       <p:pic>
         <p:nvPicPr>
-          <p:cNvPr id="46" name="Picture 45">
+          <p:cNvPr id="2" name="Picture 1">
             <a:extLst>
               <a:ext uri="{FF2B5EF4-FFF2-40B4-BE49-F238E27FC236}">
-                <a16:creationId xmlns:a16="http://schemas.microsoft.com/office/drawing/2014/main" id="{AD63FB3B-8455-B147-FB81-BFE5C882CC0A}"/>
+                <a16:creationId xmlns:a16="http://schemas.microsoft.com/office/drawing/2014/main" id="{5B0FF4A7-8A5E-2FE5-2458-8DB56C17CD7B}"/>
               </a:ext>
             </a:extLst>
           </p:cNvPr>
@@ -37226,10 +37204,10 @@
       </p:pic>
       <p:pic>
         <p:nvPicPr>
-          <p:cNvPr id="47" name="Picture 46">
+          <p:cNvPr id="3" name="Picture 2">
             <a:extLst>
               <a:ext uri="{FF2B5EF4-FFF2-40B4-BE49-F238E27FC236}">
-                <a16:creationId xmlns:a16="http://schemas.microsoft.com/office/drawing/2014/main" id="{88AFC65E-75D7-52AD-FB75-47ABD058D011}"/>
+                <a16:creationId xmlns:a16="http://schemas.microsoft.com/office/drawing/2014/main" id="{A621AD6B-76AF-D7C7-97FA-1D97B4AD72DE}"/>
               </a:ext>
             </a:extLst>
           </p:cNvPr>
@@ -37262,10 +37240,10 @@
       </p:pic>
       <p:pic>
         <p:nvPicPr>
-          <p:cNvPr id="48" name="Picture 47">
+          <p:cNvPr id="4" name="Picture 3">
             <a:extLst>
               <a:ext uri="{FF2B5EF4-FFF2-40B4-BE49-F238E27FC236}">
-                <a16:creationId xmlns:a16="http://schemas.microsoft.com/office/drawing/2014/main" id="{B6A030B2-B90F-DF1D-D338-81720B1EAD3A}"/>
+                <a16:creationId xmlns:a16="http://schemas.microsoft.com/office/drawing/2014/main" id="{B92A40A2-0348-2F81-F485-598868BFF5A3}"/>
               </a:ext>
             </a:extLst>
           </p:cNvPr>
@@ -37298,10 +37276,10 @@
       </p:pic>
       <p:pic>
         <p:nvPicPr>
-          <p:cNvPr id="49" name="Picture 48">
+          <p:cNvPr id="5" name="Picture 4">
             <a:extLst>
               <a:ext uri="{FF2B5EF4-FFF2-40B4-BE49-F238E27FC236}">
-                <a16:creationId xmlns:a16="http://schemas.microsoft.com/office/drawing/2014/main" id="{D3C4BBA7-286F-7DD9-284D-BEDCAA15E1EE}"/>
+                <a16:creationId xmlns:a16="http://schemas.microsoft.com/office/drawing/2014/main" id="{F188AAEB-30E6-93F2-987F-C7AA002F3296}"/>
               </a:ext>
             </a:extLst>
           </p:cNvPr>
@@ -37334,10 +37312,10 @@
       </p:pic>
       <p:pic>
         <p:nvPicPr>
-          <p:cNvPr id="51" name="Picture 50">
+          <p:cNvPr id="6" name="Picture 5">
             <a:extLst>
               <a:ext uri="{FF2B5EF4-FFF2-40B4-BE49-F238E27FC236}">
-                <a16:creationId xmlns:a16="http://schemas.microsoft.com/office/drawing/2014/main" id="{C99BDCC6-A946-662F-7871-72BB3D27C0D4}"/>
+                <a16:creationId xmlns:a16="http://schemas.microsoft.com/office/drawing/2014/main" id="{DF209BA9-9151-120E-08FF-E7768C7F1D1B}"/>
               </a:ext>
             </a:extLst>
           </p:cNvPr>
@@ -38653,7 +38631,13 @@
       </p:sp>
       <p:pic>
         <p:nvPicPr>
-          <p:cNvPr id="46" name="Picture 45"/>
+          <p:cNvPr id="2" name="Picture 1">
+            <a:extLst>
+              <a:ext uri="{FF2B5EF4-FFF2-40B4-BE49-F238E27FC236}">
+                <a16:creationId xmlns:a16="http://schemas.microsoft.com/office/drawing/2014/main" id="{75B75F08-B315-10C3-70B4-99EFB3F71FDC}"/>
+              </a:ext>
+            </a:extLst>
+          </p:cNvPr>
           <p:cNvPicPr>
             <a:picLocks/>
           </p:cNvPicPr>
@@ -38683,7 +38667,13 @@
       </p:pic>
       <p:pic>
         <p:nvPicPr>
-          <p:cNvPr id="47" name="Picture 46"/>
+          <p:cNvPr id="3" name="Picture 2">
+            <a:extLst>
+              <a:ext uri="{FF2B5EF4-FFF2-40B4-BE49-F238E27FC236}">
+                <a16:creationId xmlns:a16="http://schemas.microsoft.com/office/drawing/2014/main" id="{009925C6-B884-610A-7186-A2FA943F5F86}"/>
+              </a:ext>
+            </a:extLst>
+          </p:cNvPr>
           <p:cNvPicPr>
             <a:picLocks/>
           </p:cNvPicPr>
@@ -38713,7 +38703,13 @@
       </p:pic>
       <p:pic>
         <p:nvPicPr>
-          <p:cNvPr id="48" name="Picture 47"/>
+          <p:cNvPr id="4" name="Picture 3">
+            <a:extLst>
+              <a:ext uri="{FF2B5EF4-FFF2-40B4-BE49-F238E27FC236}">
+                <a16:creationId xmlns:a16="http://schemas.microsoft.com/office/drawing/2014/main" id="{BAC6A266-3D93-91EB-CF2D-7E0FBA0BE32A}"/>
+              </a:ext>
+            </a:extLst>
+          </p:cNvPr>
           <p:cNvPicPr>
             <a:picLocks/>
           </p:cNvPicPr>
@@ -38743,7 +38739,13 @@
       </p:pic>
       <p:pic>
         <p:nvPicPr>
-          <p:cNvPr id="49" name="Picture 48"/>
+          <p:cNvPr id="5" name="Picture 4">
+            <a:extLst>
+              <a:ext uri="{FF2B5EF4-FFF2-40B4-BE49-F238E27FC236}">
+                <a16:creationId xmlns:a16="http://schemas.microsoft.com/office/drawing/2014/main" id="{A4F4E66A-E8AE-71BA-21C9-931F6BDB5895}"/>
+              </a:ext>
+            </a:extLst>
+          </p:cNvPr>
           <p:cNvPicPr>
             <a:picLocks/>
           </p:cNvPicPr>
@@ -38773,7 +38775,13 @@
       </p:pic>
       <p:pic>
         <p:nvPicPr>
-          <p:cNvPr id="51" name="Picture 50"/>
+          <p:cNvPr id="6" name="Picture 5">
+            <a:extLst>
+              <a:ext uri="{FF2B5EF4-FFF2-40B4-BE49-F238E27FC236}">
+                <a16:creationId xmlns:a16="http://schemas.microsoft.com/office/drawing/2014/main" id="{F503A60F-3922-E431-4A93-C637ACF8394C}"/>
+              </a:ext>
+            </a:extLst>
+          </p:cNvPr>
           <p:cNvPicPr>
             <a:picLocks/>
           </p:cNvPicPr>
@@ -39939,7 +39947,13 @@
       </p:sp>
       <p:pic>
         <p:nvPicPr>
-          <p:cNvPr id="46" name="Picture 45"/>
+          <p:cNvPr id="2" name="Picture 1">
+            <a:extLst>
+              <a:ext uri="{FF2B5EF4-FFF2-40B4-BE49-F238E27FC236}">
+                <a16:creationId xmlns:a16="http://schemas.microsoft.com/office/drawing/2014/main" id="{536F9A4E-70A4-ED65-C9D6-48BB9A565298}"/>
+              </a:ext>
+            </a:extLst>
+          </p:cNvPr>
           <p:cNvPicPr>
             <a:picLocks/>
           </p:cNvPicPr>
@@ -39969,7 +39983,13 @@
       </p:pic>
       <p:pic>
         <p:nvPicPr>
-          <p:cNvPr id="47" name="Picture 46"/>
+          <p:cNvPr id="3" name="Picture 2">
+            <a:extLst>
+              <a:ext uri="{FF2B5EF4-FFF2-40B4-BE49-F238E27FC236}">
+                <a16:creationId xmlns:a16="http://schemas.microsoft.com/office/drawing/2014/main" id="{DAE6BC37-6F61-F082-99DF-885FD9F2C413}"/>
+              </a:ext>
+            </a:extLst>
+          </p:cNvPr>
           <p:cNvPicPr>
             <a:picLocks/>
           </p:cNvPicPr>
@@ -39999,7 +40019,13 @@
       </p:pic>
       <p:pic>
         <p:nvPicPr>
-          <p:cNvPr id="48" name="Picture 47"/>
+          <p:cNvPr id="4" name="Picture 3">
+            <a:extLst>
+              <a:ext uri="{FF2B5EF4-FFF2-40B4-BE49-F238E27FC236}">
+                <a16:creationId xmlns:a16="http://schemas.microsoft.com/office/drawing/2014/main" id="{1483382E-EFCE-0348-A25E-C9715CA0408A}"/>
+              </a:ext>
+            </a:extLst>
+          </p:cNvPr>
           <p:cNvPicPr>
             <a:picLocks/>
           </p:cNvPicPr>
@@ -40029,7 +40055,13 @@
       </p:pic>
       <p:pic>
         <p:nvPicPr>
-          <p:cNvPr id="49" name="Picture 48"/>
+          <p:cNvPr id="5" name="Picture 4">
+            <a:extLst>
+              <a:ext uri="{FF2B5EF4-FFF2-40B4-BE49-F238E27FC236}">
+                <a16:creationId xmlns:a16="http://schemas.microsoft.com/office/drawing/2014/main" id="{301DA17B-29BA-2663-12E8-DD647DF00F2B}"/>
+              </a:ext>
+            </a:extLst>
+          </p:cNvPr>
           <p:cNvPicPr>
             <a:picLocks/>
           </p:cNvPicPr>
@@ -40059,7 +40091,13 @@
       </p:pic>
       <p:pic>
         <p:nvPicPr>
-          <p:cNvPr id="51" name="Picture 50"/>
+          <p:cNvPr id="6" name="Picture 5">
+            <a:extLst>
+              <a:ext uri="{FF2B5EF4-FFF2-40B4-BE49-F238E27FC236}">
+                <a16:creationId xmlns:a16="http://schemas.microsoft.com/office/drawing/2014/main" id="{79A89BBA-0896-714A-7C6E-0945DA099CF4}"/>
+              </a:ext>
+            </a:extLst>
+          </p:cNvPr>
           <p:cNvPicPr>
             <a:picLocks/>
           </p:cNvPicPr>
@@ -41333,7 +41371,13 @@
       </p:sp>
       <p:pic>
         <p:nvPicPr>
-          <p:cNvPr id="46" name="Picture 45"/>
+          <p:cNvPr id="2" name="Picture 1">
+            <a:extLst>
+              <a:ext uri="{FF2B5EF4-FFF2-40B4-BE49-F238E27FC236}">
+                <a16:creationId xmlns:a16="http://schemas.microsoft.com/office/drawing/2014/main" id="{3AD25D27-4D40-0246-180E-DAA40944CADD}"/>
+              </a:ext>
+            </a:extLst>
+          </p:cNvPr>
           <p:cNvPicPr>
             <a:picLocks/>
           </p:cNvPicPr>
@@ -41363,7 +41407,13 @@
       </p:pic>
       <p:pic>
         <p:nvPicPr>
-          <p:cNvPr id="47" name="Picture 46"/>
+          <p:cNvPr id="3" name="Picture 2">
+            <a:extLst>
+              <a:ext uri="{FF2B5EF4-FFF2-40B4-BE49-F238E27FC236}">
+                <a16:creationId xmlns:a16="http://schemas.microsoft.com/office/drawing/2014/main" id="{7C1DFD17-F3B4-C9A5-2149-1E229CCA48CA}"/>
+              </a:ext>
+            </a:extLst>
+          </p:cNvPr>
           <p:cNvPicPr>
             <a:picLocks/>
           </p:cNvPicPr>
@@ -41393,7 +41443,13 @@
       </p:pic>
       <p:pic>
         <p:nvPicPr>
-          <p:cNvPr id="48" name="Picture 47"/>
+          <p:cNvPr id="4" name="Picture 3">
+            <a:extLst>
+              <a:ext uri="{FF2B5EF4-FFF2-40B4-BE49-F238E27FC236}">
+                <a16:creationId xmlns:a16="http://schemas.microsoft.com/office/drawing/2014/main" id="{FF6B069A-A65C-C8AE-2456-B015E172371D}"/>
+              </a:ext>
+            </a:extLst>
+          </p:cNvPr>
           <p:cNvPicPr>
             <a:picLocks/>
           </p:cNvPicPr>
@@ -41423,7 +41479,13 @@
       </p:pic>
       <p:pic>
         <p:nvPicPr>
-          <p:cNvPr id="49" name="Picture 48"/>
+          <p:cNvPr id="5" name="Picture 4">
+            <a:extLst>
+              <a:ext uri="{FF2B5EF4-FFF2-40B4-BE49-F238E27FC236}">
+                <a16:creationId xmlns:a16="http://schemas.microsoft.com/office/drawing/2014/main" id="{FE415D62-4B33-F803-DA32-7490F4B0D440}"/>
+              </a:ext>
+            </a:extLst>
+          </p:cNvPr>
           <p:cNvPicPr>
             <a:picLocks/>
           </p:cNvPicPr>
@@ -41453,7 +41515,13 @@
       </p:pic>
       <p:pic>
         <p:nvPicPr>
-          <p:cNvPr id="51" name="Picture 50"/>
+          <p:cNvPr id="6" name="Picture 5">
+            <a:extLst>
+              <a:ext uri="{FF2B5EF4-FFF2-40B4-BE49-F238E27FC236}">
+                <a16:creationId xmlns:a16="http://schemas.microsoft.com/office/drawing/2014/main" id="{44D548EC-FBB3-A988-96C8-7F095010A898}"/>
+              </a:ext>
+            </a:extLst>
+          </p:cNvPr>
           <p:cNvPicPr>
             <a:picLocks/>
           </p:cNvPicPr>
